--- a/The Eff {Strings} Project 1 Presentation.pptx
+++ b/The Eff {Strings} Project 1 Presentation.pptx
@@ -8,16 +8,18 @@
     <p:sldId id="257" r:id="rId2"/>
     <p:sldId id="258" r:id="rId3"/>
     <p:sldId id="260" r:id="rId4"/>
-    <p:sldId id="268" r:id="rId5"/>
-    <p:sldId id="271" r:id="rId6"/>
-    <p:sldId id="261" r:id="rId7"/>
-    <p:sldId id="262" r:id="rId8"/>
-    <p:sldId id="263" r:id="rId9"/>
-    <p:sldId id="264" r:id="rId10"/>
-    <p:sldId id="265" r:id="rId11"/>
-    <p:sldId id="267" r:id="rId12"/>
-    <p:sldId id="269" r:id="rId13"/>
-    <p:sldId id="270" r:id="rId14"/>
+    <p:sldId id="273" r:id="rId5"/>
+    <p:sldId id="268" r:id="rId6"/>
+    <p:sldId id="271" r:id="rId7"/>
+    <p:sldId id="261" r:id="rId8"/>
+    <p:sldId id="262" r:id="rId9"/>
+    <p:sldId id="263" r:id="rId10"/>
+    <p:sldId id="264" r:id="rId11"/>
+    <p:sldId id="265" r:id="rId12"/>
+    <p:sldId id="267" r:id="rId13"/>
+    <p:sldId id="269" r:id="rId14"/>
+    <p:sldId id="270" r:id="rId15"/>
+    <p:sldId id="275" r:id="rId16"/>
   </p:sldIdLst>
   <p:sldSz cx="12192000" cy="6858000"/>
   <p:notesSz cx="6858000" cy="9144000"/>
@@ -136,52 +138,6 @@
 </p:cmAuthorLst>
 </file>
 
-<file path=ppt/comments/comment1.xml><?xml version="1.0" encoding="utf-8"?>
-<p:cmLst xmlns:a="http://schemas.openxmlformats.org/drawingml/2006/main" xmlns:r="http://schemas.openxmlformats.org/officeDocument/2006/relationships" xmlns:p="http://schemas.openxmlformats.org/presentationml/2006/main">
-  <p:cm authorId="1" dt="2021-05-05T18:58:35.190" idx="2">
-    <p:pos x="3634" y="834"/>
-    <p:text>Should we switch this title to say "play count"?</p:text>
-    <p:extLst>
-      <p:ext uri="{C676402C-5697-4E1C-873F-D02D1690AC5C}">
-        <p15:threadingInfo xmlns:p15="http://schemas.microsoft.com/office/powerpoint/2012/main" timeZoneBias="240"/>
-      </p:ext>
-    </p:extLst>
-  </p:cm>
-  <p:cm authorId="1" dt="2021-05-05T19:00:48.733" idx="4">
-    <p:pos x="10" y="10"/>
-    <p:text>How many countries?</p:text>
-    <p:extLst>
-      <p:ext uri="{C676402C-5697-4E1C-873F-D02D1690AC5C}">
-        <p15:threadingInfo xmlns:p15="http://schemas.microsoft.com/office/powerpoint/2012/main" timeZoneBias="240"/>
-      </p:ext>
-    </p:extLst>
-  </p:cm>
-  <p:cm authorId="1" dt="2021-05-07T19:34:58.452" idx="7">
-    <p:pos x="106" y="106"/>
-    <p:text/>
-    <p:extLst>
-      <p:ext uri="{C676402C-5697-4E1C-873F-D02D1690AC5C}">
-        <p15:threadingInfo xmlns:p15="http://schemas.microsoft.com/office/powerpoint/2012/main" timeZoneBias="240"/>
-      </p:ext>
-    </p:extLst>
-  </p:cm>
-</p:cmLst>
-</file>
-
-<file path=ppt/comments/comment2.xml><?xml version="1.0" encoding="utf-8"?>
-<p:cmLst xmlns:a="http://schemas.openxmlformats.org/drawingml/2006/main" xmlns:r="http://schemas.openxmlformats.org/officeDocument/2006/relationships" xmlns:p="http://schemas.openxmlformats.org/presentationml/2006/main">
-  <p:cm authorId="1" dt="2021-05-05T19:22:20.284" idx="5">
-    <p:pos x="10" y="10"/>
-    <p:text/>
-    <p:extLst>
-      <p:ext uri="{C676402C-5697-4E1C-873F-D02D1690AC5C}">
-        <p15:threadingInfo xmlns:p15="http://schemas.microsoft.com/office/powerpoint/2012/main" timeZoneBias="240"/>
-      </p:ext>
-    </p:extLst>
-  </p:cm>
-</p:cmLst>
-</file>
-
 <file path=ppt/slideLayouts/slideLayout1.xml><?xml version="1.0" encoding="utf-8"?>
 <p:sldLayout xmlns:a="http://schemas.openxmlformats.org/drawingml/2006/main" xmlns:r="http://schemas.openxmlformats.org/officeDocument/2006/relationships" xmlns:p="http://schemas.openxmlformats.org/presentationml/2006/main" showMasterSp="0" type="title" preserve="1">
   <p:cSld name="Title Slide">
@@ -426,7 +382,7 @@
           <a:p>
             <a:fld id="{9184DA70-C731-4C70-880D-CCD4705E623C}" type="datetime1">
               <a:rPr lang="en-US" smtClean="0"/>
-              <a:t>5/7/2021</a:t>
+              <a:t>5/8/2021</a:t>
             </a:fld>
             <a:endParaRPr lang="en-US" dirty="0"/>
           </a:p>
@@ -614,7 +570,7 @@
           <a:p>
             <a:fld id="{B612A279-0833-481D-8C56-F67FD0AC6C50}" type="datetime1">
               <a:rPr lang="en-US" smtClean="0"/>
-              <a:t>5/7/2021</a:t>
+              <a:t>5/8/2021</a:t>
             </a:fld>
             <a:endParaRPr lang="en-US" dirty="0"/>
           </a:p>
@@ -856,7 +812,7 @@
           <a:p>
             <a:fld id="{6587DA83-5663-4C9C-B9AA-0B40A3DAFF81}" type="datetime1">
               <a:rPr lang="en-US" smtClean="0"/>
-              <a:t>5/7/2021</a:t>
+              <a:t>5/8/2021</a:t>
             </a:fld>
             <a:endParaRPr lang="en-US" dirty="0"/>
           </a:p>
@@ -1044,7 +1000,7 @@
           <a:p>
             <a:fld id="{4BE1D723-8F53-4F53-90B0-1982A396982E}" type="datetime1">
               <a:rPr lang="en-US" smtClean="0"/>
-              <a:t>5/7/2021</a:t>
+              <a:t>5/8/2021</a:t>
             </a:fld>
             <a:endParaRPr lang="en-US" dirty="0"/>
           </a:p>
@@ -1417,7 +1373,7 @@
           <a:p>
             <a:fld id="{97669AF7-7BEB-44E4-9852-375E34362B5B}" type="datetime1">
               <a:rPr lang="en-US" smtClean="0"/>
-              <a:t>5/7/2021</a:t>
+              <a:t>5/8/2021</a:t>
             </a:fld>
             <a:endParaRPr lang="en-US" dirty="0"/>
           </a:p>
@@ -1672,7 +1628,7 @@
           <a:p>
             <a:fld id="{BAAAC38D-0552-4C82-B593-E6124DFADBE2}" type="datetime1">
               <a:rPr lang="en-US" smtClean="0"/>
-              <a:t>5/7/2021</a:t>
+              <a:t>5/8/2021</a:t>
             </a:fld>
             <a:endParaRPr lang="en-US" dirty="0"/>
           </a:p>
@@ -2069,7 +2025,7 @@
           <a:p>
             <a:fld id="{D9DF0F1C-5577-4ACB-BB62-DF8F3C494C7E}" type="datetime1">
               <a:rPr lang="en-US" smtClean="0"/>
-              <a:t>5/7/2021</a:t>
+              <a:t>5/8/2021</a:t>
             </a:fld>
             <a:endParaRPr lang="en-US" dirty="0"/>
           </a:p>
@@ -2205,7 +2161,7 @@
           <a:p>
             <a:fld id="{1775B394-D9F9-4F0C-B15D-605F45CB9E9F}" type="datetime1">
               <a:rPr lang="en-US" smtClean="0"/>
-              <a:t>5/7/2021</a:t>
+              <a:t>5/8/2021</a:t>
             </a:fld>
             <a:endParaRPr lang="en-US" dirty="0"/>
           </a:p>
@@ -2362,7 +2318,7 @@
           <a:p>
             <a:fld id="{39667345-2558-425A-8533-9BFDBCE15005}" type="datetime1">
               <a:rPr lang="en-US" smtClean="0"/>
-              <a:t>5/7/2021</a:t>
+              <a:t>5/8/2021</a:t>
             </a:fld>
             <a:endParaRPr lang="en-US" dirty="0"/>
           </a:p>
@@ -2691,7 +2647,7 @@
           <a:p>
             <a:fld id="{92BEA474-078D-4E9B-9B14-09A87B19DC46}" type="datetime1">
               <a:rPr lang="en-US" smtClean="0"/>
-              <a:t>5/7/2021</a:t>
+              <a:t>5/8/2021</a:t>
             </a:fld>
             <a:endParaRPr lang="en-US" dirty="0"/>
           </a:p>
@@ -3041,7 +2997,7 @@
           <a:p>
             <a:fld id="{4907D986-8816-4272-A432-0437A28A9828}" type="datetime1">
               <a:rPr lang="en-US" smtClean="0"/>
-              <a:t>5/7/2021</a:t>
+              <a:t>5/8/2021</a:t>
             </a:fld>
             <a:endParaRPr lang="en-US" dirty="0"/>
           </a:p>
@@ -3302,7 +3258,7 @@
           <a:p>
             <a:fld id="{62D6E202-B606-4609-B914-27C9371A1F6D}" type="datetime1">
               <a:rPr lang="en-US" smtClean="0"/>
-              <a:t>5/7/2021</a:t>
+              <a:t>5/8/2021</a:t>
             </a:fld>
             <a:endParaRPr lang="en-US" dirty="0"/>
           </a:p>
@@ -3933,12 +3889,6 @@
                 <a:latin typeface="Gill Sans Nova" panose="020B0602020104020203" pitchFamily="34" charset="0"/>
               </a:rPr>
             </a:br>
-            <a:r>
-              <a:rPr lang="en-US" sz="6000" dirty="0">
-                <a:latin typeface="Gill Sans Nova" panose="020B0602020104020203" pitchFamily="34" charset="0"/>
-              </a:rPr>
-              <a:t>logo</a:t>
-            </a:r>
             <a:br>
               <a:rPr lang="en-US" dirty="0">
                 <a:latin typeface="Gill Sans Nova" panose="020B0602020104020203" pitchFamily="34" charset="0"/>
@@ -4110,6 +4060,42 @@
           </a:fontRef>
         </p:style>
       </p:cxnSp>
+      <p:pic>
+        <p:nvPicPr>
+          <p:cNvPr id="6" name="Picture 5" descr="Logo&#10;&#10;Description automatically generated">
+            <a:extLst>
+              <a:ext uri="{FF2B5EF4-FFF2-40B4-BE49-F238E27FC236}">
+                <a16:creationId xmlns:a16="http://schemas.microsoft.com/office/drawing/2014/main" id="{D5C4E841-18C9-47B5-B27A-ABE110FDE2B6}"/>
+              </a:ext>
+            </a:extLst>
+          </p:cNvPr>
+          <p:cNvPicPr>
+            <a:picLocks noChangeAspect="1"/>
+          </p:cNvPicPr>
+          <p:nvPr/>
+        </p:nvPicPr>
+        <p:blipFill>
+          <a:blip r:embed="rId3">
+            <a:extLst>
+              <a:ext uri="{28A0092B-C50C-407E-A947-70E740481C1C}">
+                <a14:useLocalDpi xmlns:a14="http://schemas.microsoft.com/office/drawing/2010/main" val="0"/>
+              </a:ext>
+            </a:extLst>
+          </a:blip>
+          <a:stretch>
+            <a:fillRect/>
+          </a:stretch>
+        </p:blipFill>
+        <p:spPr>
+          <a:xfrm>
+            <a:off x="7300836" y="3285297"/>
+            <a:ext cx="2413676" cy="973516"/>
+          </a:xfrm>
+          <a:prstGeom prst="rect">
+            <a:avLst/>
+          </a:prstGeom>
+        </p:spPr>
+      </p:pic>
     </p:spTree>
     <p:extLst>
       <p:ext uri="{BB962C8B-B14F-4D97-AF65-F5344CB8AC3E}">
@@ -4284,8 +4270,8 @@
         </p:nvSpPr>
         <p:spPr>
           <a:xfrm>
-            <a:off x="1013787" y="4979109"/>
-            <a:ext cx="10058400" cy="1878891"/>
+            <a:off x="1013787" y="5181600"/>
+            <a:ext cx="10058400" cy="1676400"/>
           </a:xfrm>
         </p:spPr>
         <p:txBody>
@@ -4294,14 +4280,24 @@
           </a:bodyPr>
           <a:lstStyle/>
           <a:p>
-            <a:pPr algn="ctr"/>
             <a:r>
               <a:rPr lang="en-US" dirty="0">
                 <a:solidFill>
                   <a:srgbClr val="FFFFFF"/>
                 </a:solidFill>
               </a:rPr>
-              <a:t>Bye </a:t>
+              <a:t>“one good thing about music, when it hits you, you feel no pain.”</a:t>
+            </a:r>
+          </a:p>
+          <a:p>
+            <a:pPr algn="ctr"/>
+            <a:r>
+              <a:rPr lang="en-US" dirty="0">
+                <a:solidFill>
+                  <a:srgbClr val="FFFFFF"/>
+                </a:solidFill>
+              </a:rPr>
+              <a:t>-bob </a:t>
             </a:r>
             <a:r>
               <a:rPr lang="en-US" dirty="0" err="1">
@@ -4309,27 +4305,13 @@
                   <a:srgbClr val="FFFFFF"/>
                 </a:solidFill>
               </a:rPr>
-              <a:t>Bye</a:t>
-            </a:r>
-            <a:r>
-              <a:rPr lang="en-US" dirty="0">
-                <a:solidFill>
-                  <a:srgbClr val="FFFFFF"/>
-                </a:solidFill>
-              </a:rPr>
-              <a:t> Ms. American pie</a:t>
-            </a:r>
-          </a:p>
-          <a:p>
-            <a:pPr algn="ctr"/>
-            <a:r>
-              <a:rPr lang="en-US" dirty="0">
-                <a:solidFill>
-                  <a:srgbClr val="FFFFFF"/>
-                </a:solidFill>
-              </a:rPr>
-              <a:t>Don Mclean</a:t>
-            </a:r>
+              <a:t>marley</a:t>
+            </a:r>
+            <a:endParaRPr lang="en-US" dirty="0">
+              <a:solidFill>
+                <a:srgbClr val="FFFFFF"/>
+              </a:solidFill>
+            </a:endParaRPr>
           </a:p>
         </p:txBody>
       </p:sp>
@@ -4347,8 +4329,8 @@
         </p:nvSpPr>
         <p:spPr>
           <a:xfrm>
-            <a:off x="3387549" y="212812"/>
-            <a:ext cx="5416868" cy="373757"/>
+            <a:off x="1762021" y="552929"/>
+            <a:ext cx="8107861" cy="373757"/>
           </a:xfrm>
           <a:prstGeom prst="rect">
             <a:avLst/>
@@ -4373,12 +4355,13 @@
               </a:spcAft>
             </a:pPr>
             <a:r>
-              <a:rPr lang="en-US" sz="1800" b="1" i="1" dirty="0">
+              <a:rPr lang="en-US" sz="1800" b="1" dirty="0">
                 <a:effectLst/>
                 <a:latin typeface="Arial" panose="020B0604020202020204" pitchFamily="34" charset="0"/>
                 <a:ea typeface="Calibri" panose="020F0502020204030204" pitchFamily="34" charset="0"/>
-              </a:rPr>
-              <a:t>Which 5 artists are played most often globally? </a:t>
+                <a:cs typeface="Times New Roman" panose="02020603050405020304" pitchFamily="18" charset="0"/>
+              </a:rPr>
+              <a:t>What is the average replayability globally? (With over 1 Million listeners)</a:t>
             </a:r>
             <a:endParaRPr lang="en-US" sz="1800" dirty="0">
               <a:effectLst/>
@@ -4389,77 +4372,12 @@
           </a:p>
         </p:txBody>
       </p:sp>
-      <p:sp>
-        <p:nvSpPr>
-          <p:cNvPr id="2" name="TextBox 1">
-            <a:extLst>
-              <a:ext uri="{FF2B5EF4-FFF2-40B4-BE49-F238E27FC236}">
-                <a16:creationId xmlns:a16="http://schemas.microsoft.com/office/drawing/2014/main" id="{EA4BFBB4-B445-49CA-9E8F-B1EBDA631FD4}"/>
-              </a:ext>
-            </a:extLst>
-          </p:cNvPr>
-          <p:cNvSpPr txBox="1"/>
-          <p:nvPr/>
-        </p:nvSpPr>
-        <p:spPr>
-          <a:xfrm>
-            <a:off x="6964392" y="799381"/>
-            <a:ext cx="5021439" cy="2585323"/>
-          </a:xfrm>
-          <a:prstGeom prst="rect">
-            <a:avLst/>
-          </a:prstGeom>
-          <a:noFill/>
-        </p:spPr>
-        <p:txBody>
-          <a:bodyPr wrap="none" rtlCol="0">
-            <a:spAutoFit/>
-          </a:bodyPr>
-          <a:lstStyle/>
-          <a:p>
-            <a:r>
-              <a:rPr lang="en-US" dirty="0"/>
-              <a:t>Top 5 artists that are played the most globally are</a:t>
-            </a:r>
-          </a:p>
-          <a:p>
-            <a:endParaRPr lang="en-US" dirty="0"/>
-          </a:p>
-          <a:p>
-            <a:endParaRPr lang="en-US" dirty="0"/>
-          </a:p>
-          <a:p>
-            <a:endParaRPr lang="en-US" dirty="0"/>
-          </a:p>
-          <a:p>
-            <a:endParaRPr lang="en-US" dirty="0"/>
-          </a:p>
-          <a:p>
-            <a:endParaRPr lang="en-US" dirty="0"/>
-          </a:p>
-          <a:p>
-            <a:endParaRPr lang="en-US" dirty="0"/>
-          </a:p>
-          <a:p>
-            <a:r>
-              <a:rPr lang="en-US" dirty="0"/>
-              <a:t>This demonstrates the universal popularity of any </a:t>
-            </a:r>
-          </a:p>
-          <a:p>
-            <a:r>
-              <a:rPr lang="en-US" dirty="0"/>
-              <a:t>given  artist, from which one can extract genre:</a:t>
-            </a:r>
-          </a:p>
-        </p:txBody>
-      </p:sp>
       <p:pic>
         <p:nvPicPr>
-          <p:cNvPr id="5" name="Picture 4" descr="Chart, pie chart&#10;&#10;Description automatically generated">
-            <a:extLst>
-              <a:ext uri="{FF2B5EF4-FFF2-40B4-BE49-F238E27FC236}">
-                <a16:creationId xmlns:a16="http://schemas.microsoft.com/office/drawing/2014/main" id="{62C34BF0-F50E-44E2-A9FB-263BEEAA89EF}"/>
+          <p:cNvPr id="8" name="Picture 7" descr="Chart, bar chart&#10;&#10;Description automatically generated">
+            <a:extLst>
+              <a:ext uri="{FF2B5EF4-FFF2-40B4-BE49-F238E27FC236}">
+                <a16:creationId xmlns:a16="http://schemas.microsoft.com/office/drawing/2014/main" id="{FC4E77AF-72DA-478B-9F62-1E8040D042A2}"/>
               </a:ext>
             </a:extLst>
           </p:cNvPr>
@@ -4476,13 +4394,49 @@
               </a:ext>
             </a:extLst>
           </a:blip>
-          <a:srcRect t="-639" b="-1"/>
+          <a:srcRect l="3391" b="2896"/>
           <a:stretch/>
         </p:blipFill>
         <p:spPr>
           <a:xfrm>
-            <a:off x="0" y="717063"/>
-            <a:ext cx="6170141" cy="4115490"/>
+            <a:off x="6251584" y="1190872"/>
+            <a:ext cx="5436231" cy="2871164"/>
+          </a:xfrm>
+          <a:prstGeom prst="rect">
+            <a:avLst/>
+          </a:prstGeom>
+        </p:spPr>
+      </p:pic>
+      <p:pic>
+        <p:nvPicPr>
+          <p:cNvPr id="4" name="Picture 3" descr="Chart, bar chart&#10;&#10;Description automatically generated">
+            <a:extLst>
+              <a:ext uri="{FF2B5EF4-FFF2-40B4-BE49-F238E27FC236}">
+                <a16:creationId xmlns:a16="http://schemas.microsoft.com/office/drawing/2014/main" id="{9A9C00CB-E6A5-4FFB-B379-4AAFCE33B1F4}"/>
+              </a:ext>
+            </a:extLst>
+          </p:cNvPr>
+          <p:cNvPicPr>
+            <a:picLocks noChangeAspect="1"/>
+          </p:cNvPicPr>
+          <p:nvPr/>
+        </p:nvPicPr>
+        <p:blipFill>
+          <a:blip r:embed="rId3">
+            <a:extLst>
+              <a:ext uri="{28A0092B-C50C-407E-A947-70E740481C1C}">
+                <a14:useLocalDpi xmlns:a14="http://schemas.microsoft.com/office/drawing/2010/main" val="0"/>
+              </a:ext>
+            </a:extLst>
+          </a:blip>
+          <a:stretch>
+            <a:fillRect/>
+          </a:stretch>
+        </p:blipFill>
+        <p:spPr>
+          <a:xfrm>
+            <a:off x="504185" y="1185289"/>
+            <a:ext cx="5057218" cy="2876747"/>
           </a:xfrm>
           <a:prstGeom prst="rect">
             <a:avLst/>
@@ -4492,7 +4446,7 @@
     </p:spTree>
     <p:extLst>
       <p:ext uri="{BB962C8B-B14F-4D97-AF65-F5344CB8AC3E}">
-        <p14:creationId xmlns:p14="http://schemas.microsoft.com/office/powerpoint/2010/main" val="1393637912"/>
+        <p14:creationId xmlns:p14="http://schemas.microsoft.com/office/powerpoint/2010/main" val="3010257697"/>
       </p:ext>
     </p:extLst>
   </p:cSld>
@@ -4663,8 +4617,8 @@
         </p:nvSpPr>
         <p:spPr>
           <a:xfrm>
-            <a:off x="1013787" y="4979109"/>
-            <a:ext cx="10058400" cy="1878891"/>
+            <a:off x="1013787" y="5330092"/>
+            <a:ext cx="10058400" cy="1527908"/>
           </a:xfrm>
         </p:spPr>
         <p:txBody>
@@ -4674,11 +4628,41 @@
           <a:lstStyle/>
           <a:p>
             <a:pPr algn="ctr"/>
-            <a:endParaRPr lang="en-US" dirty="0">
-              <a:solidFill>
-                <a:srgbClr val="FFFFFF"/>
-              </a:solidFill>
-            </a:endParaRPr>
+            <a:r>
+              <a:rPr lang="en-US" dirty="0">
+                <a:solidFill>
+                  <a:srgbClr val="FFFFFF"/>
+                </a:solidFill>
+              </a:rPr>
+              <a:t>“Bye </a:t>
+            </a:r>
+            <a:r>
+              <a:rPr lang="en-US" dirty="0" err="1">
+                <a:solidFill>
+                  <a:srgbClr val="FFFFFF"/>
+                </a:solidFill>
+              </a:rPr>
+              <a:t>Bye</a:t>
+            </a:r>
+            <a:r>
+              <a:rPr lang="en-US" dirty="0">
+                <a:solidFill>
+                  <a:srgbClr val="FFFFFF"/>
+                </a:solidFill>
+              </a:rPr>
+              <a:t> Miss American pie”</a:t>
+            </a:r>
+          </a:p>
+          <a:p>
+            <a:pPr algn="ctr"/>
+            <a:r>
+              <a:rPr lang="en-US" dirty="0">
+                <a:solidFill>
+                  <a:srgbClr val="FFFFFF"/>
+                </a:solidFill>
+              </a:rPr>
+              <a:t>-Don Mclean</a:t>
+            </a:r>
           </a:p>
         </p:txBody>
       </p:sp>
@@ -4696,8 +4680,8 @@
         </p:nvSpPr>
         <p:spPr>
           <a:xfrm>
-            <a:off x="3270017" y="292750"/>
-            <a:ext cx="5651932" cy="373757"/>
+            <a:off x="2592078" y="249434"/>
+            <a:ext cx="7156126" cy="467629"/>
           </a:xfrm>
           <a:prstGeom prst="rect">
             <a:avLst/>
@@ -4722,31 +4706,14 @@
               </a:spcAft>
             </a:pPr>
             <a:r>
-              <a:rPr lang="en-US" sz="1800" b="1" i="1" dirty="0">
+              <a:rPr lang="en-US" sz="2400" b="1" dirty="0">
                 <a:effectLst/>
                 <a:latin typeface="Arial" panose="020B0604020202020204" pitchFamily="34" charset="0"/>
                 <a:ea typeface="Calibri" panose="020F0502020204030204" pitchFamily="34" charset="0"/>
-                <a:cs typeface="Times New Roman" panose="02020603050405020304" pitchFamily="18" charset="0"/>
-              </a:rPr>
-              <a:t>What is the </a:t>
-            </a:r>
-            <a:r>
-              <a:rPr lang="en-US" b="1" i="1" dirty="0">
-                <a:latin typeface="Arial" panose="020B0604020202020204" pitchFamily="34" charset="0"/>
-                <a:cs typeface="Times New Roman" panose="02020603050405020304" pitchFamily="18" charset="0"/>
-              </a:rPr>
-              <a:t>GDP and play count of </a:t>
-            </a:r>
-            <a:r>
-              <a:rPr lang="en-US" sz="1800" b="1" i="1" dirty="0">
-                <a:effectLst/>
-                <a:latin typeface="Arial" panose="020B0604020202020204" pitchFamily="34" charset="0"/>
-                <a:ea typeface="Calibri" panose="020F0502020204030204" pitchFamily="34" charset="0"/>
-                <a:cs typeface="Times New Roman" panose="02020603050405020304" pitchFamily="18" charset="0"/>
-              </a:rPr>
-              <a:t>each country? </a:t>
-            </a:r>
-            <a:endParaRPr lang="en-US" sz="1800" dirty="0">
+              </a:rPr>
+              <a:t>Which 5 artists are played most often globally? </a:t>
+            </a:r>
+            <a:endParaRPr lang="en-US" sz="2400" dirty="0">
               <a:effectLst/>
               <a:latin typeface="Calibri" panose="020F0502020204030204" pitchFamily="34" charset="0"/>
               <a:ea typeface="Calibri" panose="020F0502020204030204" pitchFamily="34" charset="0"/>
@@ -4755,12 +4722,115 @@
           </a:p>
         </p:txBody>
       </p:sp>
+      <p:sp>
+        <p:nvSpPr>
+          <p:cNvPr id="2" name="TextBox 1">
+            <a:extLst>
+              <a:ext uri="{FF2B5EF4-FFF2-40B4-BE49-F238E27FC236}">
+                <a16:creationId xmlns:a16="http://schemas.microsoft.com/office/drawing/2014/main" id="{EA4BFBB4-B445-49CA-9E8F-B1EBDA631FD4}"/>
+              </a:ext>
+            </a:extLst>
+          </p:cNvPr>
+          <p:cNvSpPr txBox="1"/>
+          <p:nvPr/>
+        </p:nvSpPr>
+        <p:spPr>
+          <a:xfrm>
+            <a:off x="6550177" y="1066648"/>
+            <a:ext cx="5357557" cy="3139321"/>
+          </a:xfrm>
+          <a:prstGeom prst="rect">
+            <a:avLst/>
+          </a:prstGeom>
+          <a:noFill/>
+        </p:spPr>
+        <p:txBody>
+          <a:bodyPr wrap="none" rtlCol="0">
+            <a:spAutoFit/>
+          </a:bodyPr>
+          <a:lstStyle/>
+          <a:p>
+            <a:r>
+              <a:rPr lang="en-US" dirty="0"/>
+              <a:t>Top 5 artists that are played the most globally are:</a:t>
+            </a:r>
+          </a:p>
+          <a:p>
+            <a:endParaRPr lang="en-US" dirty="0"/>
+          </a:p>
+          <a:p>
+            <a:pPr marL="285750" indent="-285750">
+              <a:buFont typeface="Arial" panose="020B0604020202020204" pitchFamily="34" charset="0"/>
+              <a:buChar char="•"/>
+            </a:pPr>
+            <a:r>
+              <a:rPr lang="en-US" dirty="0"/>
+              <a:t>Coldplay</a:t>
+            </a:r>
+          </a:p>
+          <a:p>
+            <a:pPr marL="285750" indent="-285750">
+              <a:buFont typeface="Arial" panose="020B0604020202020204" pitchFamily="34" charset="0"/>
+              <a:buChar char="•"/>
+            </a:pPr>
+            <a:r>
+              <a:rPr lang="en-US" dirty="0"/>
+              <a:t>Radiohead</a:t>
+            </a:r>
+          </a:p>
+          <a:p>
+            <a:pPr marL="285750" indent="-285750">
+              <a:buFont typeface="Arial" panose="020B0604020202020204" pitchFamily="34" charset="0"/>
+              <a:buChar char="•"/>
+            </a:pPr>
+            <a:r>
+              <a:rPr lang="en-US" dirty="0"/>
+              <a:t>Rihanna</a:t>
+            </a:r>
+          </a:p>
+          <a:p>
+            <a:pPr marL="285750" indent="-285750">
+              <a:buFont typeface="Arial" panose="020B0604020202020204" pitchFamily="34" charset="0"/>
+              <a:buChar char="•"/>
+            </a:pPr>
+            <a:r>
+              <a:rPr lang="en-US" dirty="0"/>
+              <a:t>Eminem</a:t>
+            </a:r>
+          </a:p>
+          <a:p>
+            <a:pPr marL="285750" indent="-285750">
+              <a:buFont typeface="Arial" panose="020B0604020202020204" pitchFamily="34" charset="0"/>
+              <a:buChar char="•"/>
+            </a:pPr>
+            <a:r>
+              <a:rPr lang="en-US" dirty="0"/>
+              <a:t>Red Hot Chili Peppers</a:t>
+            </a:r>
+          </a:p>
+          <a:p>
+            <a:endParaRPr lang="en-US" dirty="0"/>
+          </a:p>
+          <a:p>
+            <a:endParaRPr lang="en-US" dirty="0"/>
+          </a:p>
+          <a:p>
+            <a:endParaRPr lang="en-US" dirty="0"/>
+          </a:p>
+          <a:p>
+            <a:r>
+              <a:rPr lang="en-US" dirty="0"/>
+              <a:t>This provides us with examples of genres to seek out.</a:t>
+            </a:r>
+          </a:p>
+        </p:txBody>
+      </p:sp>
       <p:pic>
         <p:nvPicPr>
-          <p:cNvPr id="9" name="Picture 8" descr="Chart, scatter chart&#10;&#10;Description automatically generated">
-            <a:extLst>
-              <a:ext uri="{FF2B5EF4-FFF2-40B4-BE49-F238E27FC236}">
-                <a16:creationId xmlns:a16="http://schemas.microsoft.com/office/drawing/2014/main" id="{F71D69A0-0E33-40EB-B956-72762780974B}"/>
+          <p:cNvPr id="5" name="Picture 4" descr="Chart, pie chart&#10;&#10;Description automatically generated">
+            <a:extLst>
+              <a:ext uri="{FF2B5EF4-FFF2-40B4-BE49-F238E27FC236}">
+                <a16:creationId xmlns:a16="http://schemas.microsoft.com/office/drawing/2014/main" id="{62C34BF0-F50E-44E2-A9FB-263BEEAA89EF}"/>
               </a:ext>
             </a:extLst>
           </p:cNvPr>
@@ -4769,7 +4839,7 @@
           </p:cNvPicPr>
           <p:nvPr/>
         </p:nvPicPr>
-        <p:blipFill>
+        <p:blipFill rotWithShape="1">
           <a:blip r:embed="rId2">
             <a:extLst>
               <a:ext uri="{28A0092B-C50C-407E-A947-70E740481C1C}">
@@ -4777,132 +4847,23 @@
               </a:ext>
             </a:extLst>
           </a:blip>
-          <a:stretch>
-            <a:fillRect/>
-          </a:stretch>
+          <a:srcRect t="-639" b="-1"/>
+          <a:stretch/>
         </p:blipFill>
         <p:spPr>
           <a:xfrm>
-            <a:off x="368979" y="984095"/>
-            <a:ext cx="5038725" cy="3543300"/>
+            <a:off x="-1" y="717062"/>
+            <a:ext cx="6815015" cy="4613030"/>
           </a:xfrm>
           <a:prstGeom prst="rect">
             <a:avLst/>
           </a:prstGeom>
         </p:spPr>
       </p:pic>
-      <p:sp>
-        <p:nvSpPr>
-          <p:cNvPr id="4" name="TextBox 3">
-            <a:extLst>
-              <a:ext uri="{FF2B5EF4-FFF2-40B4-BE49-F238E27FC236}">
-                <a16:creationId xmlns:a16="http://schemas.microsoft.com/office/drawing/2014/main" id="{C4E79ABE-C7A0-4F1D-B9F4-D0EF1276591D}"/>
-              </a:ext>
-            </a:extLst>
-          </p:cNvPr>
-          <p:cNvSpPr txBox="1"/>
-          <p:nvPr/>
-        </p:nvSpPr>
-        <p:spPr>
-          <a:xfrm>
-            <a:off x="5925600" y="984095"/>
-            <a:ext cx="5750011" cy="3170099"/>
-          </a:xfrm>
-          <a:prstGeom prst="rect">
-            <a:avLst/>
-          </a:prstGeom>
-          <a:noFill/>
-        </p:spPr>
-        <p:txBody>
-          <a:bodyPr wrap="square" rtlCol="0">
-            <a:spAutoFit/>
-          </a:bodyPr>
-          <a:lstStyle/>
-          <a:p>
-            <a:r>
-              <a:rPr lang="en-US" sz="2000" b="1" i="1" dirty="0">
-                <a:latin typeface="Gill Sans MT" panose="020B0502020104020203" pitchFamily="34" charset="0"/>
-              </a:rPr>
-              <a:t>Null Hypothesis: </a:t>
-            </a:r>
-          </a:p>
-          <a:p>
-            <a:r>
-              <a:rPr lang="en-US" sz="1800" dirty="0">
-                <a:latin typeface="Gill Sans MT" panose="020B0502020104020203" pitchFamily="34" charset="0"/>
-              </a:rPr>
-              <a:t>GDP has  no relationship to listeners.</a:t>
-            </a:r>
-          </a:p>
-          <a:p>
-            <a:endParaRPr lang="en-US" sz="1800" dirty="0">
-              <a:latin typeface="Gill Sans MT" panose="020B0502020104020203" pitchFamily="34" charset="0"/>
-            </a:endParaRPr>
-          </a:p>
-          <a:p>
-            <a:r>
-              <a:rPr lang="en-US" sz="2000" b="1" i="1" dirty="0">
-                <a:effectLst/>
-                <a:latin typeface="Gill Sans MT" panose="020B0502020104020203" pitchFamily="34" charset="0"/>
-                <a:ea typeface="Calibri" panose="020F0502020204030204" pitchFamily="34" charset="0"/>
-              </a:rPr>
-              <a:t>Alternative Hypothesis:</a:t>
-            </a:r>
-          </a:p>
-          <a:p>
-            <a:r>
-              <a:rPr lang="en-US" sz="1800" dirty="0">
-                <a:effectLst/>
-                <a:latin typeface="Gill Sans MT" panose="020B0502020104020203" pitchFamily="34" charset="0"/>
-                <a:ea typeface="Calibri" panose="020F0502020204030204" pitchFamily="34" charset="0"/>
-              </a:rPr>
-              <a:t>If GDP is </a:t>
-            </a:r>
-            <a:r>
-              <a:rPr lang="en-US" sz="1800" dirty="0">
-                <a:latin typeface="Gill Sans MT" panose="020B0502020104020203" pitchFamily="34" charset="0"/>
-              </a:rPr>
-              <a:t>lower</a:t>
-            </a:r>
-            <a:r>
-              <a:rPr lang="en-US" sz="1800" dirty="0">
-                <a:effectLst/>
-                <a:latin typeface="Gill Sans MT" panose="020B0502020104020203" pitchFamily="34" charset="0"/>
-                <a:ea typeface="Calibri" panose="020F0502020204030204" pitchFamily="34" charset="0"/>
-              </a:rPr>
-              <a:t>, Last.fm will have a higher listenership. </a:t>
-            </a:r>
-            <a:endParaRPr lang="en-US" sz="1800" dirty="0">
-              <a:latin typeface="Gill Sans MT" panose="020B0502020104020203" pitchFamily="34" charset="0"/>
-            </a:endParaRPr>
-          </a:p>
-          <a:p>
-            <a:endParaRPr lang="en-US" dirty="0"/>
-          </a:p>
-          <a:p>
-            <a:endParaRPr lang="en-US" dirty="0"/>
-          </a:p>
-          <a:p>
-            <a:r>
-              <a:rPr lang="en-US" dirty="0"/>
-              <a:t>We can conclude that there is no relationship between country GDP per capita and listenership. </a:t>
-            </a:r>
-          </a:p>
-          <a:p>
-            <a:endParaRPr lang="en-US" dirty="0"/>
-          </a:p>
-          <a:p>
-            <a:r>
-              <a:rPr lang="en-US" dirty="0"/>
-              <a:t>Therefore we can fail to reject the null hypothesis.</a:t>
-            </a:r>
-          </a:p>
-        </p:txBody>
-      </p:sp>
     </p:spTree>
     <p:extLst>
       <p:ext uri="{BB962C8B-B14F-4D97-AF65-F5344CB8AC3E}">
-        <p14:creationId xmlns:p14="http://schemas.microsoft.com/office/powerpoint/2010/main" val="951751158"/>
+        <p14:creationId xmlns:p14="http://schemas.microsoft.com/office/powerpoint/2010/main" val="1393637912"/>
       </p:ext>
     </p:extLst>
   </p:cSld>
@@ -5073,8 +5034,8 @@
         </p:nvSpPr>
         <p:spPr>
           <a:xfrm>
-            <a:off x="1013787" y="4979109"/>
-            <a:ext cx="10058400" cy="1878891"/>
+            <a:off x="1013787" y="5138289"/>
+            <a:ext cx="10058400" cy="1719711"/>
           </a:xfrm>
         </p:spPr>
         <p:txBody>
@@ -5090,7 +5051,50 @@
                   <a:srgbClr val="FFFFFF"/>
                 </a:solidFill>
               </a:rPr>
-              <a:t>“What a wonderful world”</a:t>
+              <a:t>“you got to know when to hold </a:t>
+            </a:r>
+            <a:r>
+              <a:rPr lang="en-US" dirty="0" err="1">
+                <a:solidFill>
+                  <a:srgbClr val="FFFFFF"/>
+                </a:solidFill>
+              </a:rPr>
+              <a:t>em</a:t>
+            </a:r>
+            <a:r>
+              <a:rPr lang="en-US" dirty="0">
+                <a:solidFill>
+                  <a:srgbClr val="FFFFFF"/>
+                </a:solidFill>
+              </a:rPr>
+              <a:t>, know when to fold </a:t>
+            </a:r>
+            <a:r>
+              <a:rPr lang="en-US" dirty="0" err="1">
+                <a:solidFill>
+                  <a:srgbClr val="FFFFFF"/>
+                </a:solidFill>
+              </a:rPr>
+              <a:t>em</a:t>
+            </a:r>
+            <a:r>
+              <a:rPr lang="en-US" dirty="0">
+                <a:solidFill>
+                  <a:srgbClr val="FFFFFF"/>
+                </a:solidFill>
+              </a:rPr>
+              <a:t>, know when to walk away”</a:t>
+            </a:r>
+          </a:p>
+          <a:p>
+            <a:pPr algn="ctr"/>
+            <a:r>
+              <a:rPr lang="en-US" dirty="0">
+                <a:solidFill>
+                  <a:srgbClr val="FFFFFF"/>
+                </a:solidFill>
+              </a:rPr>
+              <a:t>-Kenny rogers</a:t>
             </a:r>
           </a:p>
         </p:txBody>
@@ -5109,8 +5113,8 @@
         </p:nvSpPr>
         <p:spPr>
           <a:xfrm>
-            <a:off x="3270017" y="308704"/>
-            <a:ext cx="5651932" cy="373757"/>
+            <a:off x="2362525" y="182844"/>
+            <a:ext cx="7466916" cy="467629"/>
           </a:xfrm>
           <a:prstGeom prst="rect">
             <a:avLst/>
@@ -5135,7 +5139,7 @@
               </a:spcAft>
             </a:pPr>
             <a:r>
-              <a:rPr lang="en-US" sz="1800" b="1" i="1" dirty="0">
+              <a:rPr lang="en-US" sz="2400" b="1" dirty="0">
                 <a:effectLst/>
                 <a:latin typeface="Arial" panose="020B0604020202020204" pitchFamily="34" charset="0"/>
                 <a:ea typeface="Calibri" panose="020F0502020204030204" pitchFamily="34" charset="0"/>
@@ -5144,14 +5148,14 @@
               <a:t>What is the </a:t>
             </a:r>
             <a:r>
-              <a:rPr lang="en-US" b="1" i="1" dirty="0">
+              <a:rPr lang="en-US" sz="2400" b="1" dirty="0">
                 <a:latin typeface="Arial" panose="020B0604020202020204" pitchFamily="34" charset="0"/>
                 <a:cs typeface="Times New Roman" panose="02020603050405020304" pitchFamily="18" charset="0"/>
               </a:rPr>
               <a:t>GDP and play count of </a:t>
             </a:r>
             <a:r>
-              <a:rPr lang="en-US" sz="1800" b="1" i="1" dirty="0">
+              <a:rPr lang="en-US" sz="2400" b="1" dirty="0">
                 <a:effectLst/>
                 <a:latin typeface="Arial" panose="020B0604020202020204" pitchFamily="34" charset="0"/>
                 <a:ea typeface="Calibri" panose="020F0502020204030204" pitchFamily="34" charset="0"/>
@@ -5159,7 +5163,7 @@
               </a:rPr>
               <a:t>each country? </a:t>
             </a:r>
-            <a:endParaRPr lang="en-US" sz="1800" dirty="0">
+            <a:endParaRPr lang="en-US" sz="2400" dirty="0">
               <a:effectLst/>
               <a:latin typeface="Calibri" panose="020F0502020204030204" pitchFamily="34" charset="0"/>
               <a:ea typeface="Calibri" panose="020F0502020204030204" pitchFamily="34" charset="0"/>
@@ -5182,8 +5186,8 @@
         </p:nvSpPr>
         <p:spPr>
           <a:xfrm>
-            <a:off x="7754747" y="874156"/>
-            <a:ext cx="3991766" cy="1015663"/>
+            <a:off x="5925600" y="984095"/>
+            <a:ext cx="5750011" cy="3170099"/>
           </a:xfrm>
           <a:prstGeom prst="rect">
             <a:avLst/>
@@ -5200,25 +5204,88 @@
               <a:rPr lang="en-US" sz="2000" b="1" i="1" dirty="0">
                 <a:latin typeface="Gill Sans MT" panose="020B0502020104020203" pitchFamily="34" charset="0"/>
               </a:rPr>
-              <a:t>Bonus- Genre Searcher</a:t>
-            </a:r>
+              <a:t>Null Hypothesis: </a:t>
+            </a:r>
+          </a:p>
+          <a:p>
+            <a:r>
+              <a:rPr lang="en-US" sz="1800" dirty="0">
+                <a:latin typeface="Gill Sans MT" panose="020B0502020104020203" pitchFamily="34" charset="0"/>
+              </a:rPr>
+              <a:t>GDP has  no relationship to listeners.</a:t>
+            </a:r>
+          </a:p>
+          <a:p>
+            <a:endParaRPr lang="en-US" sz="1800" dirty="0">
+              <a:latin typeface="Gill Sans MT" panose="020B0502020104020203" pitchFamily="34" charset="0"/>
+            </a:endParaRPr>
           </a:p>
           <a:p>
             <a:r>
               <a:rPr lang="en-US" sz="2000" b="1" i="1" dirty="0">
+                <a:effectLst/>
                 <a:latin typeface="Gill Sans MT" panose="020B0502020104020203" pitchFamily="34" charset="0"/>
-              </a:rPr>
-              <a:t>Looking at country, you can find the top 5 genres. </a:t>
+                <a:ea typeface="Calibri" panose="020F0502020204030204" pitchFamily="34" charset="0"/>
+              </a:rPr>
+              <a:t>Alternative Hypothesis:</a:t>
+            </a:r>
+          </a:p>
+          <a:p>
+            <a:r>
+              <a:rPr lang="en-US" sz="1800" dirty="0">
+                <a:effectLst/>
+                <a:latin typeface="Gill Sans MT" panose="020B0502020104020203" pitchFamily="34" charset="0"/>
+                <a:ea typeface="Calibri" panose="020F0502020204030204" pitchFamily="34" charset="0"/>
+              </a:rPr>
+              <a:t>If GDP is </a:t>
+            </a:r>
+            <a:r>
+              <a:rPr lang="en-US" sz="1800" dirty="0">
+                <a:latin typeface="Gill Sans MT" panose="020B0502020104020203" pitchFamily="34" charset="0"/>
+              </a:rPr>
+              <a:t>lower</a:t>
+            </a:r>
+            <a:r>
+              <a:rPr lang="en-US" sz="1800" dirty="0">
+                <a:effectLst/>
+                <a:latin typeface="Gill Sans MT" panose="020B0502020104020203" pitchFamily="34" charset="0"/>
+                <a:ea typeface="Calibri" panose="020F0502020204030204" pitchFamily="34" charset="0"/>
+              </a:rPr>
+              <a:t>, Last.fm will have a higher listenership. </a:t>
+            </a:r>
+            <a:endParaRPr lang="en-US" sz="1800" dirty="0">
+              <a:latin typeface="Gill Sans MT" panose="020B0502020104020203" pitchFamily="34" charset="0"/>
+            </a:endParaRPr>
+          </a:p>
+          <a:p>
+            <a:endParaRPr lang="en-US" dirty="0"/>
+          </a:p>
+          <a:p>
+            <a:endParaRPr lang="en-US" dirty="0"/>
+          </a:p>
+          <a:p>
+            <a:r>
+              <a:rPr lang="en-US" dirty="0"/>
+              <a:t>We can conclude that there is no relationship between country GDP per capita and listenership. </a:t>
+            </a:r>
+          </a:p>
+          <a:p>
+            <a:endParaRPr lang="en-US" dirty="0"/>
+          </a:p>
+          <a:p>
+            <a:r>
+              <a:rPr lang="en-US" dirty="0"/>
+              <a:t>Therefore we can fail to reject the null hypothesis.</a:t>
             </a:r>
           </a:p>
         </p:txBody>
       </p:sp>
       <p:pic>
         <p:nvPicPr>
-          <p:cNvPr id="5" name="Picture 4" descr="Map&#10;&#10;Description automatically generated">
-            <a:extLst>
-              <a:ext uri="{FF2B5EF4-FFF2-40B4-BE49-F238E27FC236}">
-                <a16:creationId xmlns:a16="http://schemas.microsoft.com/office/drawing/2014/main" id="{503C3255-6DDD-4CAA-AD2E-F24F99FFA0AB}"/>
+          <p:cNvPr id="5" name="Picture 4" descr="Chart, scatter chart&#10;&#10;Description automatically generated">
+            <a:extLst>
+              <a:ext uri="{FF2B5EF4-FFF2-40B4-BE49-F238E27FC236}">
+                <a16:creationId xmlns:a16="http://schemas.microsoft.com/office/drawing/2014/main" id="{98DBAC89-AD17-47AB-81CA-6F508E1C6312}"/>
               </a:ext>
             </a:extLst>
           </p:cNvPr>
@@ -5241,8 +5308,8 @@
         </p:blipFill>
         <p:spPr>
           <a:xfrm>
-            <a:off x="445487" y="874156"/>
-            <a:ext cx="7000875" cy="3667125"/>
+            <a:off x="444191" y="833316"/>
+            <a:ext cx="5038725" cy="3952875"/>
           </a:xfrm>
           <a:prstGeom prst="rect">
             <a:avLst/>
@@ -5252,7 +5319,7 @@
     </p:spTree>
     <p:extLst>
       <p:ext uri="{BB962C8B-B14F-4D97-AF65-F5344CB8AC3E}">
-        <p14:creationId xmlns:p14="http://schemas.microsoft.com/office/powerpoint/2010/main" val="2796978573"/>
+        <p14:creationId xmlns:p14="http://schemas.microsoft.com/office/powerpoint/2010/main" val="951751158"/>
       </p:ext>
     </p:extLst>
   </p:cSld>
@@ -5443,6 +5510,30 @@
               <a:t>“What a wonderful world”</a:t>
             </a:r>
           </a:p>
+          <a:p>
+            <a:pPr algn="ctr"/>
+            <a:r>
+              <a:rPr lang="en-US" dirty="0">
+                <a:solidFill>
+                  <a:srgbClr val="FFFFFF"/>
+                </a:solidFill>
+              </a:rPr>
+              <a:t>-louis </a:t>
+            </a:r>
+            <a:r>
+              <a:rPr lang="en-US" dirty="0" err="1">
+                <a:solidFill>
+                  <a:srgbClr val="FFFFFF"/>
+                </a:solidFill>
+              </a:rPr>
+              <a:t>armstrong</a:t>
+            </a:r>
+            <a:endParaRPr lang="en-US" dirty="0">
+              <a:solidFill>
+                <a:srgbClr val="FFFFFF"/>
+              </a:solidFill>
+            </a:endParaRPr>
+          </a:p>
         </p:txBody>
       </p:sp>
       <p:sp>
@@ -5459,8 +5550,274 @@
         </p:nvSpPr>
         <p:spPr>
           <a:xfrm>
-            <a:off x="1195266" y="305169"/>
-            <a:ext cx="2295821" cy="405047"/>
+            <a:off x="3882299" y="83521"/>
+            <a:ext cx="4649030" cy="584775"/>
+          </a:xfrm>
+          <a:prstGeom prst="rect">
+            <a:avLst/>
+          </a:prstGeom>
+          <a:noFill/>
+        </p:spPr>
+        <p:txBody>
+          <a:bodyPr wrap="none" rtlCol="0">
+            <a:spAutoFit/>
+          </a:bodyPr>
+          <a:lstStyle/>
+          <a:p>
+            <a:r>
+              <a:rPr lang="en-US" sz="3200" b="1" dirty="0">
+                <a:latin typeface="Gill Sans MT" panose="020B0502020104020203" pitchFamily="34" charset="0"/>
+              </a:rPr>
+              <a:t>Bonus- Genre Searcher</a:t>
+            </a:r>
+          </a:p>
+        </p:txBody>
+      </p:sp>
+      <p:sp>
+        <p:nvSpPr>
+          <p:cNvPr id="4" name="TextBox 3">
+            <a:extLst>
+              <a:ext uri="{FF2B5EF4-FFF2-40B4-BE49-F238E27FC236}">
+                <a16:creationId xmlns:a16="http://schemas.microsoft.com/office/drawing/2014/main" id="{C4E79ABE-C7A0-4F1D-B9F4-D0EF1276591D}"/>
+              </a:ext>
+            </a:extLst>
+          </p:cNvPr>
+          <p:cNvSpPr txBox="1"/>
+          <p:nvPr/>
+        </p:nvSpPr>
+        <p:spPr>
+          <a:xfrm>
+            <a:off x="7950132" y="2102762"/>
+            <a:ext cx="3991766" cy="707886"/>
+          </a:xfrm>
+          <a:prstGeom prst="rect">
+            <a:avLst/>
+          </a:prstGeom>
+          <a:noFill/>
+        </p:spPr>
+        <p:txBody>
+          <a:bodyPr wrap="square" rtlCol="0">
+            <a:spAutoFit/>
+          </a:bodyPr>
+          <a:lstStyle/>
+          <a:p>
+            <a:r>
+              <a:rPr lang="en-US" sz="2000" dirty="0">
+                <a:latin typeface="Gill Sans MT" panose="020B0502020104020203" pitchFamily="34" charset="0"/>
+              </a:rPr>
+              <a:t>Looking at country, you can find the top 5 genres. </a:t>
+            </a:r>
+          </a:p>
+        </p:txBody>
+      </p:sp>
+      <p:pic>
+        <p:nvPicPr>
+          <p:cNvPr id="5" name="Picture 4" descr="Map&#10;&#10;Description automatically generated">
+            <a:extLst>
+              <a:ext uri="{FF2B5EF4-FFF2-40B4-BE49-F238E27FC236}">
+                <a16:creationId xmlns:a16="http://schemas.microsoft.com/office/drawing/2014/main" id="{503C3255-6DDD-4CAA-AD2E-F24F99FFA0AB}"/>
+              </a:ext>
+            </a:extLst>
+          </p:cNvPr>
+          <p:cNvPicPr>
+            <a:picLocks noChangeAspect="1"/>
+          </p:cNvPicPr>
+          <p:nvPr/>
+        </p:nvPicPr>
+        <p:blipFill>
+          <a:blip r:embed="rId2">
+            <a:extLst>
+              <a:ext uri="{28A0092B-C50C-407E-A947-70E740481C1C}">
+                <a14:useLocalDpi xmlns:a14="http://schemas.microsoft.com/office/drawing/2010/main" val="0"/>
+              </a:ext>
+            </a:extLst>
+          </a:blip>
+          <a:stretch>
+            <a:fillRect/>
+          </a:stretch>
+        </p:blipFill>
+        <p:spPr>
+          <a:xfrm>
+            <a:off x="445487" y="874156"/>
+            <a:ext cx="7000875" cy="3667125"/>
+          </a:xfrm>
+          <a:prstGeom prst="rect">
+            <a:avLst/>
+          </a:prstGeom>
+        </p:spPr>
+      </p:pic>
+    </p:spTree>
+    <p:extLst>
+      <p:ext uri="{BB962C8B-B14F-4D97-AF65-F5344CB8AC3E}">
+        <p14:creationId xmlns:p14="http://schemas.microsoft.com/office/powerpoint/2010/main" val="2796978573"/>
+      </p:ext>
+    </p:extLst>
+  </p:cSld>
+  <p:clrMapOvr>
+    <a:masterClrMapping/>
+  </p:clrMapOvr>
+</p:sld>
+</file>
+
+<file path=ppt/slides/slide14.xml><?xml version="1.0" encoding="utf-8"?>
+<p:sld xmlns:a="http://schemas.openxmlformats.org/drawingml/2006/main" xmlns:r="http://schemas.openxmlformats.org/officeDocument/2006/relationships" xmlns:p="http://schemas.openxmlformats.org/presentationml/2006/main">
+  <p:cSld>
+    <p:bg>
+      <p:bgPr>
+        <a:solidFill>
+          <a:schemeClr val="bg1"/>
+        </a:solidFill>
+        <a:effectLst/>
+      </p:bgPr>
+    </p:bg>
+    <p:spTree>
+      <p:nvGrpSpPr>
+        <p:cNvPr id="1" name=""/>
+        <p:cNvGrpSpPr/>
+        <p:nvPr/>
+      </p:nvGrpSpPr>
+      <p:grpSpPr>
+        <a:xfrm>
+          <a:off x="0" y="0"/>
+          <a:ext cx="0" cy="0"/>
+          <a:chOff x="0" y="0"/>
+          <a:chExt cx="0" cy="0"/>
+        </a:xfrm>
+      </p:grpSpPr>
+      <p:sp>
+        <p:nvSpPr>
+          <p:cNvPr id="47" name="Rectangle 46">
+            <a:extLst>
+              <a:ext uri="{FF2B5EF4-FFF2-40B4-BE49-F238E27FC236}">
+                <a16:creationId xmlns:a16="http://schemas.microsoft.com/office/drawing/2014/main" id="{FBDCECDC-EEE3-4128-AA5E-82A8C08796E8}"/>
+              </a:ext>
+              <a:ext uri="{C183D7F6-B498-43B3-948B-1728B52AA6E4}">
+                <adec:decorative xmlns:adec="http://schemas.microsoft.com/office/drawing/2017/decorative" val="1"/>
+              </a:ext>
+            </a:extLst>
+          </p:cNvPr>
+          <p:cNvSpPr>
+            <a:spLocks noGrp="1" noRot="1" noChangeAspect="1" noMove="1" noResize="1" noEditPoints="1" noAdjustHandles="1" noChangeArrowheads="1" noChangeShapeType="1" noTextEdit="1"/>
+          </p:cNvSpPr>
+          <p:nvPr>
+            <p:extLst>
+              <p:ext uri="{386F3935-93C4-4BCD-93E2-E3B085C9AB24}">
+                <p16:designElem xmlns:p16="http://schemas.microsoft.com/office/powerpoint/2015/main" val="1"/>
+              </p:ext>
+            </p:extLst>
+          </p:nvPr>
+        </p:nvSpPr>
+        <p:spPr>
+          <a:xfrm>
+            <a:off x="1507" y="0"/>
+            <a:ext cx="12192000" cy="6858000"/>
+          </a:xfrm>
+          <a:prstGeom prst="rect">
+            <a:avLst/>
+          </a:prstGeom>
+          <a:solidFill>
+            <a:schemeClr val="accent1"/>
+          </a:solidFill>
+          <a:ln>
+            <a:noFill/>
+          </a:ln>
+        </p:spPr>
+        <p:style>
+          <a:lnRef idx="2">
+            <a:schemeClr val="accent1">
+              <a:shade val="50000"/>
+            </a:schemeClr>
+          </a:lnRef>
+          <a:fillRef idx="1">
+            <a:schemeClr val="accent1"/>
+          </a:fillRef>
+          <a:effectRef idx="0">
+            <a:schemeClr val="accent1"/>
+          </a:effectRef>
+          <a:fontRef idx="minor">
+            <a:schemeClr val="lt1"/>
+          </a:fontRef>
+        </p:style>
+        <p:txBody>
+          <a:bodyPr rtlCol="0" anchor="ctr"/>
+          <a:lstStyle/>
+          <a:p>
+            <a:pPr algn="ctr"/>
+            <a:endParaRPr lang="en-US"/>
+          </a:p>
+        </p:txBody>
+      </p:sp>
+      <p:sp>
+        <p:nvSpPr>
+          <p:cNvPr id="49" name="Rectangle 48">
+            <a:extLst>
+              <a:ext uri="{FF2B5EF4-FFF2-40B4-BE49-F238E27FC236}">
+                <a16:creationId xmlns:a16="http://schemas.microsoft.com/office/drawing/2014/main" id="{4260EDE0-989C-4E16-AF94-F652294D828E}"/>
+              </a:ext>
+              <a:ext uri="{C183D7F6-B498-43B3-948B-1728B52AA6E4}">
+                <adec:decorative xmlns:adec="http://schemas.microsoft.com/office/drawing/2017/decorative" val="1"/>
+              </a:ext>
+            </a:extLst>
+          </p:cNvPr>
+          <p:cNvSpPr>
+            <a:spLocks noGrp="1" noRot="1" noChangeAspect="1" noMove="1" noResize="1" noEditPoints="1" noAdjustHandles="1" noChangeArrowheads="1" noChangeShapeType="1" noTextEdit="1"/>
+          </p:cNvSpPr>
+          <p:nvPr>
+            <p:extLst>
+              <p:ext uri="{386F3935-93C4-4BCD-93E2-E3B085C9AB24}">
+                <p16:designElem xmlns:p16="http://schemas.microsoft.com/office/powerpoint/2015/main" val="1"/>
+              </p:ext>
+            </p:extLst>
+          </p:nvPr>
+        </p:nvSpPr>
+        <p:spPr bwMode="white">
+          <a:xfrm>
+            <a:off x="1507" y="4953000"/>
+            <a:ext cx="12188952" cy="1905000"/>
+          </a:xfrm>
+          <a:prstGeom prst="rect">
+            <a:avLst/>
+          </a:prstGeom>
+          <a:solidFill>
+            <a:srgbClr val="262626"/>
+          </a:solidFill>
+          <a:ln>
+            <a:noFill/>
+          </a:ln>
+        </p:spPr>
+        <p:style>
+          <a:lnRef idx="2">
+            <a:schemeClr val="accent1">
+              <a:shade val="50000"/>
+            </a:schemeClr>
+          </a:lnRef>
+          <a:fillRef idx="1">
+            <a:schemeClr val="accent1"/>
+          </a:fillRef>
+          <a:effectRef idx="0">
+            <a:schemeClr val="accent1"/>
+          </a:effectRef>
+          <a:fontRef idx="minor">
+            <a:schemeClr val="lt1"/>
+          </a:fontRef>
+        </p:style>
+      </p:sp>
+      <p:sp>
+        <p:nvSpPr>
+          <p:cNvPr id="6" name="TextBox 5">
+            <a:extLst>
+              <a:ext uri="{FF2B5EF4-FFF2-40B4-BE49-F238E27FC236}">
+                <a16:creationId xmlns:a16="http://schemas.microsoft.com/office/drawing/2014/main" id="{E3C0F666-CCF9-4DE9-BEF2-4955C4B9A4A9}"/>
+              </a:ext>
+            </a:extLst>
+          </p:cNvPr>
+          <p:cNvSpPr txBox="1"/>
+          <p:nvPr/>
+        </p:nvSpPr>
+        <p:spPr>
+          <a:xfrm>
+            <a:off x="1171820" y="441118"/>
+            <a:ext cx="3143809" cy="530145"/>
           </a:xfrm>
           <a:prstGeom prst="rect">
             <a:avLst/>
@@ -5485,7 +5842,7 @@
               </a:spcAft>
             </a:pPr>
             <a:r>
-              <a:rPr lang="en-US" sz="2000" b="1" i="1" dirty="0">
+              <a:rPr lang="en-US" sz="2800" b="1" dirty="0">
                 <a:effectLst/>
                 <a:latin typeface="Arial" panose="020B0604020202020204" pitchFamily="34" charset="0"/>
                 <a:ea typeface="Calibri" panose="020F0502020204030204" pitchFamily="34" charset="0"/>
@@ -5493,7 +5850,7 @@
               </a:rPr>
               <a:t>Lessons Learned</a:t>
             </a:r>
-            <a:endParaRPr lang="en-US" sz="2000" dirty="0">
+            <a:endParaRPr lang="en-US" sz="2800" dirty="0">
               <a:effectLst/>
               <a:latin typeface="Calibri" panose="020F0502020204030204" pitchFamily="34" charset="0"/>
               <a:ea typeface="Calibri" panose="020F0502020204030204" pitchFamily="34" charset="0"/>
@@ -5516,8 +5873,8 @@
         </p:nvSpPr>
         <p:spPr>
           <a:xfrm>
-            <a:off x="1013787" y="901717"/>
-            <a:ext cx="9761058" cy="2554545"/>
+            <a:off x="1013787" y="1315932"/>
+            <a:ext cx="9761058" cy="3477875"/>
           </a:xfrm>
           <a:prstGeom prst="rect">
             <a:avLst/>
@@ -5535,7 +5892,7 @@
               <a:buChar char="•"/>
             </a:pPr>
             <a:r>
-              <a:rPr lang="en-US" sz="2000" dirty="0">
+              <a:rPr lang="en-US" sz="2800" dirty="0">
                 <a:latin typeface="Gill Sans MT" panose="020B0502020104020203" pitchFamily="34" charset="0"/>
               </a:rPr>
               <a:t>More decisiveness in selection of data</a:t>
@@ -5547,7 +5904,7 @@
               <a:buChar char="•"/>
             </a:pPr>
             <a:r>
-              <a:rPr lang="en-US" sz="2000" dirty="0">
+              <a:rPr lang="en-US" sz="2800" dirty="0">
                 <a:latin typeface="Gill Sans MT" panose="020B0502020104020203" pitchFamily="34" charset="0"/>
               </a:rPr>
               <a:t>Data sets were better for application development rather than data science</a:t>
@@ -5559,7 +5916,7 @@
               <a:buChar char="•"/>
             </a:pPr>
             <a:r>
-              <a:rPr lang="en-US" sz="2000" dirty="0">
+              <a:rPr lang="en-US" sz="2800" dirty="0">
                 <a:latin typeface="Gill Sans MT" panose="020B0502020104020203" pitchFamily="34" charset="0"/>
               </a:rPr>
               <a:t>Understanding and agreeing on the ask</a:t>
@@ -5571,7 +5928,7 @@
               <a:buChar char="•"/>
             </a:pPr>
             <a:r>
-              <a:rPr lang="en-US" sz="2000" dirty="0">
+              <a:rPr lang="en-US" sz="2800" dirty="0">
                 <a:latin typeface="Gill Sans MT" panose="020B0502020104020203" pitchFamily="34" charset="0"/>
               </a:rPr>
               <a:t>More frequent communication</a:t>
@@ -5607,10 +5964,448 @@
           </a:p>
         </p:txBody>
       </p:sp>
+      <p:sp>
+        <p:nvSpPr>
+          <p:cNvPr id="5" name="Subtitle 4">
+            <a:extLst>
+              <a:ext uri="{FF2B5EF4-FFF2-40B4-BE49-F238E27FC236}">
+                <a16:creationId xmlns:a16="http://schemas.microsoft.com/office/drawing/2014/main" id="{67ECE4CD-0F8D-4F3A-9A87-BADEDE14630B}"/>
+              </a:ext>
+            </a:extLst>
+          </p:cNvPr>
+          <p:cNvSpPr>
+            <a:spLocks noGrp="1"/>
+          </p:cNvSpPr>
+          <p:nvPr>
+            <p:ph type="subTitle" idx="1"/>
+          </p:nvPr>
+        </p:nvSpPr>
+        <p:spPr>
+          <a:xfrm>
+            <a:off x="1013787" y="5352763"/>
+            <a:ext cx="10058400" cy="1143000"/>
+          </a:xfrm>
+        </p:spPr>
+        <p:txBody>
+          <a:bodyPr/>
+          <a:lstStyle/>
+          <a:p>
+            <a:pPr algn="ctr"/>
+            <a:r>
+              <a:rPr lang="en-US" dirty="0">
+                <a:solidFill>
+                  <a:srgbClr val="FFFFFF"/>
+                </a:solidFill>
+              </a:rPr>
+              <a:t>“school’s out for summer”</a:t>
+            </a:r>
+          </a:p>
+          <a:p>
+            <a:pPr algn="ctr"/>
+            <a:r>
+              <a:rPr lang="en-US" dirty="0">
+                <a:solidFill>
+                  <a:srgbClr val="FFFFFF"/>
+                </a:solidFill>
+              </a:rPr>
+              <a:t>-</a:t>
+            </a:r>
+            <a:r>
+              <a:rPr lang="en-US" dirty="0" err="1">
+                <a:solidFill>
+                  <a:srgbClr val="FFFFFF"/>
+                </a:solidFill>
+              </a:rPr>
+              <a:t>alice</a:t>
+            </a:r>
+            <a:r>
+              <a:rPr lang="en-US" dirty="0">
+                <a:solidFill>
+                  <a:srgbClr val="FFFFFF"/>
+                </a:solidFill>
+              </a:rPr>
+              <a:t> cooper</a:t>
+            </a:r>
+          </a:p>
+          <a:p>
+            <a:endParaRPr lang="en-US" dirty="0"/>
+          </a:p>
+        </p:txBody>
+      </p:sp>
     </p:spTree>
     <p:extLst>
       <p:ext uri="{BB962C8B-B14F-4D97-AF65-F5344CB8AC3E}">
         <p14:creationId xmlns:p14="http://schemas.microsoft.com/office/powerpoint/2010/main" val="2710408847"/>
+      </p:ext>
+    </p:extLst>
+  </p:cSld>
+  <p:clrMapOvr>
+    <a:masterClrMapping/>
+  </p:clrMapOvr>
+</p:sld>
+</file>
+
+<file path=ppt/slides/slide15.xml><?xml version="1.0" encoding="utf-8"?>
+<p:sld xmlns:a="http://schemas.openxmlformats.org/drawingml/2006/main" xmlns:r="http://schemas.openxmlformats.org/officeDocument/2006/relationships" xmlns:p="http://schemas.openxmlformats.org/presentationml/2006/main">
+  <p:cSld>
+    <p:bg>
+      <p:bgPr>
+        <a:solidFill>
+          <a:schemeClr val="bg1"/>
+        </a:solidFill>
+        <a:effectLst/>
+      </p:bgPr>
+    </p:bg>
+    <p:spTree>
+      <p:nvGrpSpPr>
+        <p:cNvPr id="1" name=""/>
+        <p:cNvGrpSpPr/>
+        <p:nvPr/>
+      </p:nvGrpSpPr>
+      <p:grpSpPr>
+        <a:xfrm>
+          <a:off x="0" y="0"/>
+          <a:ext cx="0" cy="0"/>
+          <a:chOff x="0" y="0"/>
+          <a:chExt cx="0" cy="0"/>
+        </a:xfrm>
+      </p:grpSpPr>
+      <p:sp>
+        <p:nvSpPr>
+          <p:cNvPr id="47" name="Rectangle 46">
+            <a:extLst>
+              <a:ext uri="{FF2B5EF4-FFF2-40B4-BE49-F238E27FC236}">
+                <a16:creationId xmlns:a16="http://schemas.microsoft.com/office/drawing/2014/main" id="{FBDCECDC-EEE3-4128-AA5E-82A8C08796E8}"/>
+              </a:ext>
+              <a:ext uri="{C183D7F6-B498-43B3-948B-1728B52AA6E4}">
+                <adec:decorative xmlns:adec="http://schemas.microsoft.com/office/drawing/2017/decorative" val="1"/>
+              </a:ext>
+            </a:extLst>
+          </p:cNvPr>
+          <p:cNvSpPr>
+            <a:spLocks noGrp="1" noRot="1" noChangeAspect="1" noMove="1" noResize="1" noEditPoints="1" noAdjustHandles="1" noChangeArrowheads="1" noChangeShapeType="1" noTextEdit="1"/>
+          </p:cNvSpPr>
+          <p:nvPr>
+            <p:extLst>
+              <p:ext uri="{386F3935-93C4-4BCD-93E2-E3B085C9AB24}">
+                <p16:designElem xmlns:p16="http://schemas.microsoft.com/office/powerpoint/2015/main" val="1"/>
+              </p:ext>
+            </p:extLst>
+          </p:nvPr>
+        </p:nvSpPr>
+        <p:spPr>
+          <a:xfrm>
+            <a:off x="1507" y="0"/>
+            <a:ext cx="12192000" cy="6858000"/>
+          </a:xfrm>
+          <a:prstGeom prst="rect">
+            <a:avLst/>
+          </a:prstGeom>
+          <a:solidFill>
+            <a:schemeClr val="accent1"/>
+          </a:solidFill>
+          <a:ln>
+            <a:noFill/>
+          </a:ln>
+        </p:spPr>
+        <p:style>
+          <a:lnRef idx="2">
+            <a:schemeClr val="accent1">
+              <a:shade val="50000"/>
+            </a:schemeClr>
+          </a:lnRef>
+          <a:fillRef idx="1">
+            <a:schemeClr val="accent1"/>
+          </a:fillRef>
+          <a:effectRef idx="0">
+            <a:schemeClr val="accent1"/>
+          </a:effectRef>
+          <a:fontRef idx="minor">
+            <a:schemeClr val="lt1"/>
+          </a:fontRef>
+        </p:style>
+        <p:txBody>
+          <a:bodyPr rtlCol="0" anchor="ctr"/>
+          <a:lstStyle/>
+          <a:p>
+            <a:pPr algn="ctr"/>
+            <a:endParaRPr lang="en-US"/>
+          </a:p>
+        </p:txBody>
+      </p:sp>
+      <p:sp>
+        <p:nvSpPr>
+          <p:cNvPr id="49" name="Rectangle 48">
+            <a:extLst>
+              <a:ext uri="{FF2B5EF4-FFF2-40B4-BE49-F238E27FC236}">
+                <a16:creationId xmlns:a16="http://schemas.microsoft.com/office/drawing/2014/main" id="{4260EDE0-989C-4E16-AF94-F652294D828E}"/>
+              </a:ext>
+              <a:ext uri="{C183D7F6-B498-43B3-948B-1728B52AA6E4}">
+                <adec:decorative xmlns:adec="http://schemas.microsoft.com/office/drawing/2017/decorative" val="1"/>
+              </a:ext>
+            </a:extLst>
+          </p:cNvPr>
+          <p:cNvSpPr>
+            <a:spLocks noGrp="1" noRot="1" noChangeAspect="1" noMove="1" noResize="1" noEditPoints="1" noAdjustHandles="1" noChangeArrowheads="1" noChangeShapeType="1" noTextEdit="1"/>
+          </p:cNvSpPr>
+          <p:nvPr>
+            <p:extLst>
+              <p:ext uri="{386F3935-93C4-4BCD-93E2-E3B085C9AB24}">
+                <p16:designElem xmlns:p16="http://schemas.microsoft.com/office/powerpoint/2015/main" val="1"/>
+              </p:ext>
+            </p:extLst>
+          </p:nvPr>
+        </p:nvSpPr>
+        <p:spPr bwMode="white">
+          <a:xfrm>
+            <a:off x="1507" y="4953000"/>
+            <a:ext cx="12188952" cy="1905000"/>
+          </a:xfrm>
+          <a:prstGeom prst="rect">
+            <a:avLst/>
+          </a:prstGeom>
+          <a:solidFill>
+            <a:srgbClr val="262626"/>
+          </a:solidFill>
+          <a:ln>
+            <a:noFill/>
+          </a:ln>
+        </p:spPr>
+        <p:style>
+          <a:lnRef idx="2">
+            <a:schemeClr val="accent1">
+              <a:shade val="50000"/>
+            </a:schemeClr>
+          </a:lnRef>
+          <a:fillRef idx="1">
+            <a:schemeClr val="accent1"/>
+          </a:fillRef>
+          <a:effectRef idx="0">
+            <a:schemeClr val="accent1"/>
+          </a:effectRef>
+          <a:fontRef idx="minor">
+            <a:schemeClr val="lt1"/>
+          </a:fontRef>
+        </p:style>
+      </p:sp>
+      <p:sp>
+        <p:nvSpPr>
+          <p:cNvPr id="3" name="Subtitle 2">
+            <a:extLst>
+              <a:ext uri="{FF2B5EF4-FFF2-40B4-BE49-F238E27FC236}">
+                <a16:creationId xmlns:a16="http://schemas.microsoft.com/office/drawing/2014/main" id="{54D9245F-BE94-456E-801E-0D7C2E457AF4}"/>
+              </a:ext>
+            </a:extLst>
+          </p:cNvPr>
+          <p:cNvSpPr>
+            <a:spLocks noGrp="1"/>
+          </p:cNvSpPr>
+          <p:nvPr>
+            <p:ph type="subTitle" idx="1"/>
+          </p:nvPr>
+        </p:nvSpPr>
+        <p:spPr>
+          <a:xfrm>
+            <a:off x="1066783" y="5255060"/>
+            <a:ext cx="10058400" cy="1143000"/>
+          </a:xfrm>
+        </p:spPr>
+        <p:txBody>
+          <a:bodyPr/>
+          <a:lstStyle/>
+          <a:p>
+            <a:pPr algn="ctr"/>
+            <a:r>
+              <a:rPr lang="en-US" dirty="0">
+                <a:solidFill>
+                  <a:schemeClr val="bg1"/>
+                </a:solidFill>
+              </a:rPr>
+              <a:t>“I hope you had the time of your life”</a:t>
+            </a:r>
+          </a:p>
+          <a:p>
+            <a:pPr algn="ctr"/>
+            <a:r>
+              <a:rPr lang="en-US" dirty="0">
+                <a:solidFill>
+                  <a:schemeClr val="bg1"/>
+                </a:solidFill>
+              </a:rPr>
+              <a:t>-Green day</a:t>
+            </a:r>
+          </a:p>
+        </p:txBody>
+      </p:sp>
+      <p:sp>
+        <p:nvSpPr>
+          <p:cNvPr id="12" name="TextBox 11">
+            <a:extLst>
+              <a:ext uri="{FF2B5EF4-FFF2-40B4-BE49-F238E27FC236}">
+                <a16:creationId xmlns:a16="http://schemas.microsoft.com/office/drawing/2014/main" id="{A5165BF7-E470-485F-9255-EB54343CD332}"/>
+              </a:ext>
+            </a:extLst>
+          </p:cNvPr>
+          <p:cNvSpPr txBox="1"/>
+          <p:nvPr/>
+        </p:nvSpPr>
+        <p:spPr>
+          <a:xfrm>
+            <a:off x="2092392" y="1289518"/>
+            <a:ext cx="6417293" cy="1015663"/>
+          </a:xfrm>
+          <a:prstGeom prst="rect">
+            <a:avLst/>
+          </a:prstGeom>
+          <a:noFill/>
+        </p:spPr>
+        <p:txBody>
+          <a:bodyPr wrap="square">
+            <a:spAutoFit/>
+          </a:bodyPr>
+          <a:lstStyle/>
+          <a:p>
+            <a:r>
+              <a:rPr lang="en-US" sz="2000" dirty="0">
+                <a:latin typeface="Gill Sans MT" panose="020B0502020104020203" pitchFamily="34" charset="0"/>
+              </a:rPr>
+              <a:t>Written by:  Amber W., Steve W. , Christian L., &amp; Ishmael S.</a:t>
+            </a:r>
+          </a:p>
+          <a:p>
+            <a:r>
+              <a:rPr lang="en-US" sz="2000" dirty="0">
+                <a:latin typeface="Gill Sans MT" panose="020B0502020104020203" pitchFamily="34" charset="0"/>
+              </a:rPr>
+              <a:t>Performed by: Eff{Strings}</a:t>
+            </a:r>
+          </a:p>
+          <a:p>
+            <a:r>
+              <a:rPr lang="en-US" sz="2000" dirty="0">
+                <a:latin typeface="Gill Sans MT" panose="020B0502020104020203" pitchFamily="34" charset="0"/>
+              </a:rPr>
+              <a:t>Produced by: CIAS</a:t>
+            </a:r>
+          </a:p>
+        </p:txBody>
+      </p:sp>
+      <p:sp>
+        <p:nvSpPr>
+          <p:cNvPr id="14" name="TextBox 13">
+            <a:extLst>
+              <a:ext uri="{FF2B5EF4-FFF2-40B4-BE49-F238E27FC236}">
+                <a16:creationId xmlns:a16="http://schemas.microsoft.com/office/drawing/2014/main" id="{92702432-C857-4030-9F33-FEFC44F5A1EC}"/>
+              </a:ext>
+            </a:extLst>
+          </p:cNvPr>
+          <p:cNvSpPr txBox="1"/>
+          <p:nvPr/>
+        </p:nvSpPr>
+        <p:spPr>
+          <a:xfrm>
+            <a:off x="2669059" y="459940"/>
+            <a:ext cx="6096000" cy="467629"/>
+          </a:xfrm>
+          <a:prstGeom prst="rect">
+            <a:avLst/>
+          </a:prstGeom>
+          <a:noFill/>
+        </p:spPr>
+        <p:txBody>
+          <a:bodyPr wrap="square">
+            <a:spAutoFit/>
+          </a:bodyPr>
+          <a:lstStyle/>
+          <a:p>
+            <a:pPr marR="0" lvl="0" algn="ctr">
+              <a:lnSpc>
+                <a:spcPct val="107000"/>
+              </a:lnSpc>
+              <a:spcBef>
+                <a:spcPts val="0"/>
+              </a:spcBef>
+              <a:spcAft>
+                <a:spcPts val="0"/>
+              </a:spcAft>
+            </a:pPr>
+            <a:r>
+              <a:rPr lang="en-US" sz="2400" b="1" i="1" dirty="0">
+                <a:latin typeface="Arial" panose="020B0604020202020204" pitchFamily="34" charset="0"/>
+                <a:ea typeface="Calibri" panose="020F0502020204030204" pitchFamily="34" charset="0"/>
+                <a:cs typeface="Times New Roman" panose="02020603050405020304" pitchFamily="18" charset="0"/>
+              </a:rPr>
+              <a:t>Credits</a:t>
+            </a:r>
+            <a:endParaRPr lang="en-US" sz="2400" dirty="0">
+              <a:effectLst/>
+              <a:latin typeface="Calibri" panose="020F0502020204030204" pitchFamily="34" charset="0"/>
+              <a:ea typeface="Calibri" panose="020F0502020204030204" pitchFamily="34" charset="0"/>
+              <a:cs typeface="Times New Roman" panose="02020603050405020304" pitchFamily="18" charset="0"/>
+            </a:endParaRPr>
+          </a:p>
+        </p:txBody>
+      </p:sp>
+      <p:sp>
+        <p:nvSpPr>
+          <p:cNvPr id="16" name="TextBox 15">
+            <a:extLst>
+              <a:ext uri="{FF2B5EF4-FFF2-40B4-BE49-F238E27FC236}">
+                <a16:creationId xmlns:a16="http://schemas.microsoft.com/office/drawing/2014/main" id="{2EE5F60D-0C7A-41D1-8E33-CC5E0487C43E}"/>
+              </a:ext>
+            </a:extLst>
+          </p:cNvPr>
+          <p:cNvSpPr txBox="1"/>
+          <p:nvPr/>
+        </p:nvSpPr>
+        <p:spPr>
+          <a:xfrm>
+            <a:off x="2669059" y="3063941"/>
+            <a:ext cx="6096000" cy="717761"/>
+          </a:xfrm>
+          <a:prstGeom prst="rect">
+            <a:avLst/>
+          </a:prstGeom>
+          <a:noFill/>
+        </p:spPr>
+        <p:txBody>
+          <a:bodyPr wrap="square">
+            <a:spAutoFit/>
+          </a:bodyPr>
+          <a:lstStyle/>
+          <a:p>
+            <a:pPr marR="0" lvl="0" algn="ctr">
+              <a:lnSpc>
+                <a:spcPct val="107000"/>
+              </a:lnSpc>
+              <a:spcBef>
+                <a:spcPts val="0"/>
+              </a:spcBef>
+              <a:spcAft>
+                <a:spcPts val="0"/>
+              </a:spcAft>
+            </a:pPr>
+            <a:r>
+              <a:rPr lang="en-US" sz="4000" b="1" i="1" dirty="0">
+                <a:latin typeface="Arial" panose="020B0604020202020204" pitchFamily="34" charset="0"/>
+                <a:ea typeface="Calibri" panose="020F0502020204030204" pitchFamily="34" charset="0"/>
+                <a:cs typeface="Times New Roman" panose="02020603050405020304" pitchFamily="18" charset="0"/>
+              </a:rPr>
+              <a:t>THANK YOU!!!</a:t>
+            </a:r>
+            <a:endParaRPr lang="en-US" sz="4000" dirty="0">
+              <a:effectLst/>
+              <a:latin typeface="Calibri" panose="020F0502020204030204" pitchFamily="34" charset="0"/>
+              <a:ea typeface="Calibri" panose="020F0502020204030204" pitchFamily="34" charset="0"/>
+              <a:cs typeface="Times New Roman" panose="02020603050405020304" pitchFamily="18" charset="0"/>
+            </a:endParaRPr>
+          </a:p>
+        </p:txBody>
+      </p:sp>
+    </p:spTree>
+    <p:extLst>
+      <p:ext uri="{BB962C8B-B14F-4D97-AF65-F5344CB8AC3E}">
+        <p14:creationId xmlns:p14="http://schemas.microsoft.com/office/powerpoint/2010/main" val="240760760"/>
       </p:ext>
     </p:extLst>
   </p:cSld>
@@ -5781,8 +6576,8 @@
         </p:nvSpPr>
         <p:spPr>
           <a:xfrm>
-            <a:off x="1013787" y="4979109"/>
-            <a:ext cx="10058400" cy="1878891"/>
+            <a:off x="1013787" y="5325374"/>
+            <a:ext cx="10058400" cy="1532626"/>
           </a:xfrm>
         </p:spPr>
         <p:txBody>
@@ -5792,6 +6587,33 @@
           <a:lstStyle/>
           <a:p>
             <a:pPr algn="ctr"/>
+            <a:r>
+              <a:rPr lang="en-US" dirty="0">
+                <a:solidFill>
+                  <a:srgbClr val="FFFFFF"/>
+                </a:solidFill>
+              </a:rPr>
+              <a:t>“Music is life itself.”</a:t>
+            </a:r>
+          </a:p>
+          <a:p>
+            <a:pPr algn="ctr"/>
+            <a:r>
+              <a:rPr lang="en-US" dirty="0">
+                <a:solidFill>
+                  <a:srgbClr val="FFFFFF"/>
+                </a:solidFill>
+              </a:rPr>
+              <a:t>-Louis </a:t>
+            </a:r>
+            <a:r>
+              <a:rPr lang="en-US" dirty="0" err="1">
+                <a:solidFill>
+                  <a:srgbClr val="FFFFFF"/>
+                </a:solidFill>
+              </a:rPr>
+              <a:t>armstrong</a:t>
+            </a:r>
             <a:endParaRPr lang="en-US" dirty="0">
               <a:solidFill>
                 <a:srgbClr val="FFFFFF"/>
@@ -6101,8 +6923,8 @@
         </p:nvSpPr>
         <p:spPr>
           <a:xfrm>
-            <a:off x="1013787" y="4979109"/>
-            <a:ext cx="10058400" cy="1878891"/>
+            <a:off x="1013787" y="5302370"/>
+            <a:ext cx="10058400" cy="1555630"/>
           </a:xfrm>
         </p:spPr>
         <p:txBody>
@@ -6118,7 +6940,18 @@
                   <a:srgbClr val="FFFFFF"/>
                 </a:solidFill>
               </a:rPr>
-              <a:t>Imagine- Lennon</a:t>
+              <a:t>“Imagine”</a:t>
+            </a:r>
+          </a:p>
+          <a:p>
+            <a:pPr algn="ctr"/>
+            <a:r>
+              <a:rPr lang="en-US" dirty="0">
+                <a:solidFill>
+                  <a:srgbClr val="FFFFFF"/>
+                </a:solidFill>
+              </a:rPr>
+              <a:t>John Lennon</a:t>
             </a:r>
           </a:p>
         </p:txBody>
@@ -6174,7 +7007,7 @@
               <a:rPr lang="en-US" sz="2800" dirty="0">
                 <a:latin typeface="Gill Sans MT" panose="020B0502020104020203" pitchFamily="34" charset="0"/>
               </a:rPr>
-              <a:t>GDP has  no relationship to listeners.</a:t>
+              <a:t>GDP has no relationship to listeners.</a:t>
             </a:r>
           </a:p>
           <a:p>
@@ -6398,8 +7231,8 @@
         </p:nvSpPr>
         <p:spPr>
           <a:xfrm>
-            <a:off x="1013787" y="4979109"/>
-            <a:ext cx="10058400" cy="1878891"/>
+            <a:off x="1013787" y="5302370"/>
+            <a:ext cx="10058400" cy="1555630"/>
           </a:xfrm>
         </p:spPr>
         <p:txBody>
@@ -6408,21 +7241,34 @@
           </a:bodyPr>
           <a:lstStyle/>
           <a:p>
+            <a:r>
+              <a:rPr lang="en-US" dirty="0">
+                <a:solidFill>
+                  <a:srgbClr val="FFFFFF"/>
+                </a:solidFill>
+              </a:rPr>
+              <a:t>‘music is the only thing I’ve ever known that doesn’t have any rules at all”</a:t>
+            </a:r>
+          </a:p>
+          <a:p>
             <a:pPr algn="ctr"/>
-            <a:endParaRPr lang="en-US" dirty="0">
-              <a:solidFill>
-                <a:srgbClr val="FFFFFF"/>
-              </a:solidFill>
-            </a:endParaRPr>
-          </a:p>
-        </p:txBody>
-      </p:sp>
-      <p:sp>
-        <p:nvSpPr>
-          <p:cNvPr id="2" name="TextBox 1">
-            <a:extLst>
-              <a:ext uri="{FF2B5EF4-FFF2-40B4-BE49-F238E27FC236}">
-                <a16:creationId xmlns:a16="http://schemas.microsoft.com/office/drawing/2014/main" id="{8E6DE99F-7F7A-4F9B-AE73-5532CB948033}"/>
+            <a:r>
+              <a:rPr lang="en-US" dirty="0">
+                <a:solidFill>
+                  <a:srgbClr val="FFFFFF"/>
+                </a:solidFill>
+              </a:rPr>
+              <a:t>-josh homme</a:t>
+            </a:r>
+          </a:p>
+        </p:txBody>
+      </p:sp>
+      <p:sp>
+        <p:nvSpPr>
+          <p:cNvPr id="7" name="TextBox 6">
+            <a:extLst>
+              <a:ext uri="{FF2B5EF4-FFF2-40B4-BE49-F238E27FC236}">
+                <a16:creationId xmlns:a16="http://schemas.microsoft.com/office/drawing/2014/main" id="{E75B7C88-9A8C-45E8-BA97-D8A0866841DD}"/>
               </a:ext>
             </a:extLst>
           </p:cNvPr>
@@ -6431,8 +7277,8 @@
         </p:nvSpPr>
         <p:spPr>
           <a:xfrm>
-            <a:off x="2633656" y="900776"/>
-            <a:ext cx="6818662" cy="3570208"/>
+            <a:off x="947927" y="552063"/>
+            <a:ext cx="4940263" cy="3939540"/>
           </a:xfrm>
           <a:prstGeom prst="rect">
             <a:avLst/>
@@ -6450,7 +7296,7 @@
                 <a:latin typeface="Arial Black" panose="020B0A04020102020204" pitchFamily="34" charset="0"/>
                 <a:cs typeface="Arial" panose="020B0604020202020204" pitchFamily="34" charset="0"/>
               </a:rPr>
-              <a:t>Limitations</a:t>
+              <a:t>Data approach:</a:t>
             </a:r>
           </a:p>
           <a:p>
@@ -6465,7 +7311,7 @@
               <a:rPr lang="en-US" sz="2400" dirty="0">
                 <a:latin typeface="Gill Sans MT" panose="020B0502020104020203" pitchFamily="34" charset="0"/>
               </a:rPr>
-              <a:t>No time frame or trending ability</a:t>
+              <a:t>ISP3166 – country names</a:t>
             </a:r>
           </a:p>
           <a:p>
@@ -6474,10 +7320,52 @@
               <a:buChar char="•"/>
             </a:pPr>
             <a:r>
+              <a:rPr lang="en-US" sz="2400" dirty="0" err="1">
+                <a:latin typeface="Gill Sans MT" panose="020B0502020104020203" pitchFamily="34" charset="0"/>
+              </a:rPr>
+              <a:t>LastFM</a:t>
+            </a:r>
+            <a:r>
               <a:rPr lang="en-US" sz="2400" dirty="0">
                 <a:latin typeface="Gill Sans MT" panose="020B0502020104020203" pitchFamily="34" charset="0"/>
               </a:rPr>
-              <a:t>Of all music sources, we are looking at one source.</a:t>
+              <a:t> API</a:t>
+            </a:r>
+          </a:p>
+          <a:p>
+            <a:pPr marL="742950" lvl="1" indent="-285750">
+              <a:buFont typeface="Arial" panose="020B0604020202020204" pitchFamily="34" charset="0"/>
+              <a:buChar char="•"/>
+            </a:pPr>
+            <a:r>
+              <a:rPr lang="en-US" sz="2400" dirty="0">
+                <a:latin typeface="Gill Sans MT" panose="020B0502020104020203" pitchFamily="34" charset="0"/>
+              </a:rPr>
+              <a:t>Top 50 Artists for each Country</a:t>
+            </a:r>
+          </a:p>
+          <a:p>
+            <a:pPr marL="742950" lvl="1" indent="-285750">
+              <a:buFont typeface="Arial" panose="020B0604020202020204" pitchFamily="34" charset="0"/>
+              <a:buChar char="•"/>
+            </a:pPr>
+            <a:r>
+              <a:rPr lang="en-US" sz="2400" dirty="0">
+                <a:latin typeface="Gill Sans MT" panose="020B0502020104020203" pitchFamily="34" charset="0"/>
+              </a:rPr>
+              <a:t>Artist </a:t>
+            </a:r>
+          </a:p>
+          <a:p>
+            <a:pPr marL="742950" lvl="1" indent="-285750">
+              <a:buFont typeface="Arial" panose="020B0604020202020204" pitchFamily="34" charset="0"/>
+              <a:buChar char="•"/>
+            </a:pPr>
+            <a:r>
+              <a:rPr lang="en-US" sz="2400" dirty="0">
+                <a:latin typeface="Gill Sans MT" panose="020B0502020104020203" pitchFamily="34" charset="0"/>
+              </a:rPr>
+              <a:t>Genres</a:t>
             </a:r>
           </a:p>
           <a:p>
@@ -6489,7 +7377,7 @@
               <a:rPr lang="en-US" sz="2400" dirty="0">
                 <a:latin typeface="Gill Sans MT" panose="020B0502020104020203" pitchFamily="34" charset="0"/>
               </a:rPr>
-              <a:t>Listeners vs. population</a:t>
+              <a:t>World Population Review – GDP</a:t>
             </a:r>
           </a:p>
           <a:p>
@@ -6501,31 +7389,7 @@
               <a:rPr lang="en-US" sz="2400" dirty="0">
                 <a:latin typeface="Gill Sans MT" panose="020B0502020104020203" pitchFamily="34" charset="0"/>
               </a:rPr>
-              <a:t>No demographic population</a:t>
-            </a:r>
-          </a:p>
-          <a:p>
-            <a:pPr marL="285750" indent="-285750">
-              <a:buFont typeface="Arial" panose="020B0604020202020204" pitchFamily="34" charset="0"/>
-              <a:buChar char="•"/>
-            </a:pPr>
-            <a:r>
-              <a:rPr lang="en-US" sz="2400" dirty="0">
-                <a:latin typeface="Gill Sans MT" panose="020B0502020104020203" pitchFamily="34" charset="0"/>
-              </a:rPr>
-              <a:t>Manual cleanup of data was necessary</a:t>
-            </a:r>
-          </a:p>
-          <a:p>
-            <a:pPr marL="285750" indent="-285750">
-              <a:buFont typeface="Arial" panose="020B0604020202020204" pitchFamily="34" charset="0"/>
-              <a:buChar char="•"/>
-            </a:pPr>
-            <a:r>
-              <a:rPr lang="en-US" sz="2400" dirty="0">
-                <a:latin typeface="Gill Sans MT" panose="020B0502020104020203" pitchFamily="34" charset="0"/>
-              </a:rPr>
-              <a:t>API documentation appeared to be dated</a:t>
+              <a:t>Latitude and Longitude</a:t>
             </a:r>
           </a:p>
           <a:p>
@@ -6533,10 +7397,40 @@
           </a:p>
         </p:txBody>
       </p:sp>
+      <p:pic>
+        <p:nvPicPr>
+          <p:cNvPr id="2" name="Picture 1">
+            <a:extLst>
+              <a:ext uri="{FF2B5EF4-FFF2-40B4-BE49-F238E27FC236}">
+                <a16:creationId xmlns:a16="http://schemas.microsoft.com/office/drawing/2014/main" id="{ADF57179-9480-4CB1-8B88-4EDFEB216E66}"/>
+              </a:ext>
+            </a:extLst>
+          </p:cNvPr>
+          <p:cNvPicPr>
+            <a:picLocks noChangeAspect="1"/>
+          </p:cNvPicPr>
+          <p:nvPr/>
+        </p:nvPicPr>
+        <p:blipFill>
+          <a:blip r:embed="rId2"/>
+          <a:stretch>
+            <a:fillRect/>
+          </a:stretch>
+        </p:blipFill>
+        <p:spPr>
+          <a:xfrm>
+            <a:off x="6834610" y="1170933"/>
+            <a:ext cx="4102964" cy="2859272"/>
+          </a:xfrm>
+          <a:prstGeom prst="rect">
+            <a:avLst/>
+          </a:prstGeom>
+        </p:spPr>
+      </p:pic>
     </p:spTree>
     <p:extLst>
       <p:ext uri="{BB962C8B-B14F-4D97-AF65-F5344CB8AC3E}">
-        <p14:creationId xmlns:p14="http://schemas.microsoft.com/office/powerpoint/2010/main" val="2609296433"/>
+        <p14:creationId xmlns:p14="http://schemas.microsoft.com/office/powerpoint/2010/main" val="2447892203"/>
       </p:ext>
     </p:extLst>
   </p:cSld>
@@ -6707,8 +7601,8 @@
         </p:nvSpPr>
         <p:spPr>
           <a:xfrm>
-            <a:off x="1013787" y="4979109"/>
-            <a:ext cx="10058400" cy="1878891"/>
+            <a:off x="1066783" y="5233738"/>
+            <a:ext cx="10058400" cy="1567132"/>
           </a:xfrm>
         </p:spPr>
         <p:txBody>
@@ -6717,10 +7611,32 @@
           </a:bodyPr>
           <a:lstStyle/>
           <a:p>
+            <a:r>
+              <a:rPr lang="en-US" b="0" i="0" dirty="0">
+                <a:solidFill>
+                  <a:schemeClr val="bg1"/>
+                </a:solidFill>
+                <a:effectLst/>
+                <a:latin typeface="Slack-Lato"/>
+              </a:rPr>
+              <a:t>"Hey Jude, don't make it bad. Take a sad song and make it better" </a:t>
+            </a:r>
+          </a:p>
+          <a:p>
             <a:pPr algn="ctr"/>
+            <a:r>
+              <a:rPr lang="en-US" b="0" i="0" dirty="0">
+                <a:solidFill>
+                  <a:schemeClr val="bg1"/>
+                </a:solidFill>
+                <a:effectLst/>
+                <a:latin typeface="Slack-Lato"/>
+              </a:rPr>
+              <a:t>-The Beatles</a:t>
+            </a:r>
             <a:endParaRPr lang="en-US" dirty="0">
               <a:solidFill>
-                <a:srgbClr val="FFFFFF"/>
+                <a:schemeClr val="bg1"/>
               </a:solidFill>
             </a:endParaRPr>
           </a:p>
@@ -6740,8 +7656,8 @@
         </p:nvSpPr>
         <p:spPr>
           <a:xfrm>
-            <a:off x="1502193" y="550188"/>
-            <a:ext cx="9187580" cy="5355312"/>
+            <a:off x="1960795" y="831765"/>
+            <a:ext cx="6818662" cy="3570208"/>
           </a:xfrm>
           <a:prstGeom prst="rect">
             <a:avLst/>
@@ -6755,180 +7671,87 @@
           <a:lstStyle/>
           <a:p>
             <a:r>
-              <a:rPr lang="en-US" sz="2400" dirty="0">
+              <a:rPr lang="en-US" sz="3200" b="1" dirty="0">
                 <a:latin typeface="Arial Black" panose="020B0A04020102020204" pitchFamily="34" charset="0"/>
-              </a:rPr>
-              <a:t>Questions</a:t>
-            </a:r>
-          </a:p>
-          <a:p>
-            <a:endParaRPr lang="en-US" sz="2400" dirty="0">
-              <a:latin typeface="Arial Black" panose="020B0A04020102020204" pitchFamily="34" charset="0"/>
-            </a:endParaRPr>
-          </a:p>
-          <a:p>
-            <a:r>
-              <a:rPr lang="en-US" sz="2400" dirty="0">
-                <a:effectLst/>
-                <a:latin typeface="Gill Sans MT" panose="020B0502020104020203" pitchFamily="34" charset="0"/>
-                <a:ea typeface="Calibri" panose="020F0502020204030204" pitchFamily="34" charset="0"/>
-                <a:cs typeface="Times New Roman" panose="02020603050405020304" pitchFamily="18" charset="0"/>
-              </a:rPr>
-              <a:t>Which artist are most popular based on their country play count?</a:t>
-            </a:r>
-          </a:p>
-          <a:p>
-            <a:r>
-              <a:rPr lang="en-US" sz="2400" dirty="0">
-                <a:effectLst/>
-                <a:latin typeface="Gill Sans MT" panose="020B0502020104020203" pitchFamily="34" charset="0"/>
-                <a:ea typeface="Calibri" panose="020F0502020204030204" pitchFamily="34" charset="0"/>
-                <a:cs typeface="Times New Roman" panose="02020603050405020304" pitchFamily="18" charset="0"/>
-              </a:rPr>
-              <a:t>Which countries’ users engage the most with the app? </a:t>
-            </a:r>
-          </a:p>
-          <a:p>
+                <a:cs typeface="Arial" panose="020B0604020202020204" pitchFamily="34" charset="0"/>
+              </a:rPr>
+              <a:t>Limitations</a:t>
+            </a:r>
+          </a:p>
+          <a:p>
+            <a:endParaRPr lang="en-US" sz="3200" b="1" dirty="0"/>
+          </a:p>
+          <a:p>
+            <a:pPr marL="285750" indent="-285750">
+              <a:buFont typeface="Arial" panose="020B0604020202020204" pitchFamily="34" charset="0"/>
+              <a:buChar char="•"/>
+            </a:pPr>
             <a:r>
               <a:rPr lang="en-US" sz="2400" dirty="0">
                 <a:latin typeface="Gill Sans MT" panose="020B0502020104020203" pitchFamily="34" charset="0"/>
-                <a:ea typeface="Calibri" panose="020F0502020204030204" pitchFamily="34" charset="0"/>
-                <a:cs typeface="Times New Roman" panose="02020603050405020304" pitchFamily="18" charset="0"/>
-              </a:rPr>
-              <a:t>Who are the top artists in the country with the highest listener count?</a:t>
-            </a:r>
-          </a:p>
-          <a:p>
-            <a:r>
-              <a:rPr lang="en-US" sz="2400" dirty="0">
-                <a:effectLst/>
-                <a:latin typeface="Gill Sans MT" panose="020B0502020104020203" pitchFamily="34" charset="0"/>
-                <a:ea typeface="Calibri" panose="020F0502020204030204" pitchFamily="34" charset="0"/>
-                <a:cs typeface="Times New Roman" panose="02020603050405020304" pitchFamily="18" charset="0"/>
-              </a:rPr>
-              <a:t>What is the average replayability globally? (With over 1 Million listeners)</a:t>
-            </a:r>
-          </a:p>
-          <a:p>
+              </a:rPr>
+              <a:t>No time frame or trending ability</a:t>
+            </a:r>
+          </a:p>
+          <a:p>
+            <a:pPr marL="285750" indent="-285750">
+              <a:buFont typeface="Arial" panose="020B0604020202020204" pitchFamily="34" charset="0"/>
+              <a:buChar char="•"/>
+            </a:pPr>
             <a:r>
               <a:rPr lang="en-US" sz="2400" dirty="0">
                 <a:latin typeface="Gill Sans MT" panose="020B0502020104020203" pitchFamily="34" charset="0"/>
-                <a:ea typeface="Calibri" panose="020F0502020204030204" pitchFamily="34" charset="0"/>
-                <a:cs typeface="Times New Roman" panose="02020603050405020304" pitchFamily="18" charset="0"/>
-              </a:rPr>
-              <a:t>Who are the top 5 artists globally?</a:t>
-            </a:r>
-            <a:endParaRPr lang="en-US" sz="2400" dirty="0">
-              <a:effectLst/>
-              <a:latin typeface="Gill Sans MT" panose="020B0502020104020203" pitchFamily="34" charset="0"/>
-              <a:ea typeface="Calibri" panose="020F0502020204030204" pitchFamily="34" charset="0"/>
-              <a:cs typeface="Times New Roman" panose="02020603050405020304" pitchFamily="18" charset="0"/>
-            </a:endParaRPr>
-          </a:p>
-          <a:p>
-            <a:r>
-              <a:rPr lang="en-US" sz="2400" dirty="0">
-                <a:effectLst/>
-                <a:latin typeface="Gill Sans MT" panose="020B0502020104020203" pitchFamily="34" charset="0"/>
-                <a:ea typeface="Calibri" panose="020F0502020204030204" pitchFamily="34" charset="0"/>
-                <a:cs typeface="Times New Roman" panose="02020603050405020304" pitchFamily="18" charset="0"/>
-              </a:rPr>
-              <a:t>What is the </a:t>
-            </a:r>
+              </a:rPr>
+              <a:t>Of all music sources, we are looking at one source</a:t>
+            </a:r>
+          </a:p>
+          <a:p>
+            <a:pPr marL="285750" indent="-285750">
+              <a:buFont typeface="Arial" panose="020B0604020202020204" pitchFamily="34" charset="0"/>
+              <a:buChar char="•"/>
+            </a:pPr>
             <a:r>
               <a:rPr lang="en-US" sz="2400" dirty="0">
                 <a:latin typeface="Gill Sans MT" panose="020B0502020104020203" pitchFamily="34" charset="0"/>
-                <a:cs typeface="Times New Roman" panose="02020603050405020304" pitchFamily="18" charset="0"/>
-              </a:rPr>
-              <a:t>GDP and play count of </a:t>
-            </a:r>
-            <a:r>
-              <a:rPr lang="en-US" sz="2400" dirty="0">
-                <a:effectLst/>
-                <a:latin typeface="Gill Sans MT" panose="020B0502020104020203" pitchFamily="34" charset="0"/>
-                <a:ea typeface="Calibri" panose="020F0502020204030204" pitchFamily="34" charset="0"/>
-                <a:cs typeface="Times New Roman" panose="02020603050405020304" pitchFamily="18" charset="0"/>
-              </a:rPr>
-              <a:t>each country? </a:t>
-            </a:r>
-          </a:p>
-          <a:p>
-            <a:r>
-              <a:rPr lang="en-US" sz="2400" dirty="0">
-                <a:effectLst/>
-                <a:latin typeface="Gill Sans MT" panose="020B0502020104020203" pitchFamily="34" charset="0"/>
-                <a:ea typeface="Calibri" panose="020F0502020204030204" pitchFamily="34" charset="0"/>
-                <a:cs typeface="Times New Roman" panose="02020603050405020304" pitchFamily="18" charset="0"/>
-              </a:rPr>
-              <a:t>What is the </a:t>
-            </a:r>
+              </a:rPr>
+              <a:t>Listeners vs. population</a:t>
+            </a:r>
+          </a:p>
+          <a:p>
+            <a:pPr marL="285750" indent="-285750">
+              <a:buFont typeface="Arial" panose="020B0604020202020204" pitchFamily="34" charset="0"/>
+              <a:buChar char="•"/>
+            </a:pPr>
             <a:r>
               <a:rPr lang="en-US" sz="2400" dirty="0">
                 <a:latin typeface="Gill Sans MT" panose="020B0502020104020203" pitchFamily="34" charset="0"/>
-                <a:cs typeface="Times New Roman" panose="02020603050405020304" pitchFamily="18" charset="0"/>
-              </a:rPr>
-              <a:t>GDP and play count of </a:t>
-            </a:r>
+              </a:rPr>
+              <a:t>No demographic population</a:t>
+            </a:r>
+          </a:p>
+          <a:p>
+            <a:pPr marL="285750" indent="-285750">
+              <a:buFont typeface="Arial" panose="020B0604020202020204" pitchFamily="34" charset="0"/>
+              <a:buChar char="•"/>
+            </a:pPr>
             <a:r>
               <a:rPr lang="en-US" sz="2400" dirty="0">
-                <a:effectLst/>
                 <a:latin typeface="Gill Sans MT" panose="020B0502020104020203" pitchFamily="34" charset="0"/>
-                <a:ea typeface="Calibri" panose="020F0502020204030204" pitchFamily="34" charset="0"/>
-                <a:cs typeface="Times New Roman" panose="02020603050405020304" pitchFamily="18" charset="0"/>
-              </a:rPr>
-              <a:t>each country? </a:t>
-            </a:r>
-          </a:p>
-          <a:p>
-            <a:endParaRPr lang="en-US" sz="1800" dirty="0">
-              <a:effectLst/>
-              <a:latin typeface="Calibri" panose="020F0502020204030204" pitchFamily="34" charset="0"/>
-              <a:ea typeface="Calibri" panose="020F0502020204030204" pitchFamily="34" charset="0"/>
-              <a:cs typeface="Times New Roman" panose="02020603050405020304" pitchFamily="18" charset="0"/>
-            </a:endParaRPr>
-          </a:p>
-          <a:p>
-            <a:endParaRPr lang="en-US" b="1" i="1" dirty="0">
-              <a:latin typeface="Arial" panose="020B0604020202020204" pitchFamily="34" charset="0"/>
-              <a:ea typeface="Calibri" panose="020F0502020204030204" pitchFamily="34" charset="0"/>
-              <a:cs typeface="Times New Roman" panose="02020603050405020304" pitchFamily="18" charset="0"/>
-            </a:endParaRPr>
-          </a:p>
-          <a:p>
-            <a:endParaRPr lang="en-US" sz="1800" dirty="0">
-              <a:effectLst/>
-              <a:latin typeface="Calibri" panose="020F0502020204030204" pitchFamily="34" charset="0"/>
-              <a:ea typeface="Calibri" panose="020F0502020204030204" pitchFamily="34" charset="0"/>
-              <a:cs typeface="Times New Roman" panose="02020603050405020304" pitchFamily="18" charset="0"/>
-            </a:endParaRPr>
-          </a:p>
-          <a:p>
-            <a:endParaRPr lang="en-US" sz="1800" dirty="0">
-              <a:effectLst/>
-              <a:latin typeface="Calibri" panose="020F0502020204030204" pitchFamily="34" charset="0"/>
-              <a:ea typeface="Calibri" panose="020F0502020204030204" pitchFamily="34" charset="0"/>
-              <a:cs typeface="Times New Roman" panose="02020603050405020304" pitchFamily="18" charset="0"/>
-            </a:endParaRPr>
-          </a:p>
-          <a:p>
-            <a:r>
-              <a:rPr lang="en-US" sz="1800" b="1" i="1" dirty="0">
-                <a:effectLst/>
-                <a:latin typeface="Arial" panose="020B0604020202020204" pitchFamily="34" charset="0"/>
-                <a:ea typeface="Calibri" panose="020F0502020204030204" pitchFamily="34" charset="0"/>
-                <a:cs typeface="Times New Roman" panose="02020603050405020304" pitchFamily="18" charset="0"/>
-              </a:rPr>
-              <a:t> </a:t>
-            </a:r>
-            <a:endParaRPr lang="en-US" sz="1800" dirty="0">
-              <a:effectLst/>
-              <a:latin typeface="Calibri" panose="020F0502020204030204" pitchFamily="34" charset="0"/>
-              <a:ea typeface="Calibri" panose="020F0502020204030204" pitchFamily="34" charset="0"/>
-              <a:cs typeface="Times New Roman" panose="02020603050405020304" pitchFamily="18" charset="0"/>
-            </a:endParaRPr>
-          </a:p>
-          <a:p>
-            <a:endParaRPr lang="en-US" dirty="0"/>
+              </a:rPr>
+              <a:t>Manual cleanup of data was necessary</a:t>
+            </a:r>
+          </a:p>
+          <a:p>
+            <a:pPr marL="285750" indent="-285750">
+              <a:buFont typeface="Arial" panose="020B0604020202020204" pitchFamily="34" charset="0"/>
+              <a:buChar char="•"/>
+            </a:pPr>
+            <a:r>
+              <a:rPr lang="en-US" sz="2400" dirty="0">
+                <a:latin typeface="Gill Sans MT" panose="020B0502020104020203" pitchFamily="34" charset="0"/>
+              </a:rPr>
+              <a:t>API documentation appeared to be dated</a:t>
+            </a:r>
           </a:p>
           <a:p>
             <a:endParaRPr lang="en-US" dirty="0"/>
@@ -6938,7 +7761,7 @@
     </p:spTree>
     <p:extLst>
       <p:ext uri="{BB962C8B-B14F-4D97-AF65-F5344CB8AC3E}">
-        <p14:creationId xmlns:p14="http://schemas.microsoft.com/office/powerpoint/2010/main" val="2976206943"/>
+        <p14:creationId xmlns:p14="http://schemas.microsoft.com/office/powerpoint/2010/main" val="2609296433"/>
       </p:ext>
     </p:extLst>
   </p:cSld>
@@ -7109,8 +7932,8 @@
         </p:nvSpPr>
         <p:spPr>
           <a:xfrm>
-            <a:off x="1013787" y="4979109"/>
-            <a:ext cx="10058400" cy="1878891"/>
+            <a:off x="1013787" y="5296619"/>
+            <a:ext cx="10058400" cy="1561381"/>
           </a:xfrm>
         </p:spPr>
         <p:txBody>
@@ -7126,53 +7949,36 @@
                   <a:srgbClr val="FFFFFF"/>
                 </a:solidFill>
               </a:rPr>
-              <a:t>Music quote here</a:t>
-            </a:r>
-          </a:p>
-        </p:txBody>
-      </p:sp>
-      <p:pic>
-        <p:nvPicPr>
-          <p:cNvPr id="4" name="Picture 3" descr="A picture containing chart&#10;&#10;Description automatically generated">
-            <a:extLst>
-              <a:ext uri="{FF2B5EF4-FFF2-40B4-BE49-F238E27FC236}">
-                <a16:creationId xmlns:a16="http://schemas.microsoft.com/office/drawing/2014/main" id="{B5B716E1-897D-44BC-AB6C-06ED3B97EDE0}"/>
-              </a:ext>
-            </a:extLst>
-          </p:cNvPr>
-          <p:cNvPicPr>
-            <a:picLocks noChangeAspect="1"/>
-          </p:cNvPicPr>
-          <p:nvPr/>
-        </p:nvPicPr>
-        <p:blipFill>
-          <a:blip r:embed="rId2">
-            <a:extLst>
-              <a:ext uri="{28A0092B-C50C-407E-A947-70E740481C1C}">
-                <a14:useLocalDpi xmlns:a14="http://schemas.microsoft.com/office/drawing/2010/main" val="0"/>
-              </a:ext>
-            </a:extLst>
-          </a:blip>
-          <a:stretch>
-            <a:fillRect/>
-          </a:stretch>
-        </p:blipFill>
-        <p:spPr>
-          <a:xfrm>
-            <a:off x="82378" y="624215"/>
-            <a:ext cx="6649847" cy="4409372"/>
-          </a:xfrm>
-          <a:prstGeom prst="rect">
-            <a:avLst/>
-          </a:prstGeom>
-        </p:spPr>
-      </p:pic>
-      <p:sp>
-        <p:nvSpPr>
-          <p:cNvPr id="7" name="TextBox 6">
-            <a:extLst>
-              <a:ext uri="{FF2B5EF4-FFF2-40B4-BE49-F238E27FC236}">
-                <a16:creationId xmlns:a16="http://schemas.microsoft.com/office/drawing/2014/main" id="{3630955F-6F17-41E2-B5DB-E022B1AB2AF5}"/>
+              <a:t>“Wake me up when September ends”</a:t>
+            </a:r>
+          </a:p>
+          <a:p>
+            <a:pPr algn="ctr"/>
+            <a:r>
+              <a:rPr lang="en-US" dirty="0">
+                <a:solidFill>
+                  <a:srgbClr val="FFFFFF"/>
+                </a:solidFill>
+              </a:rPr>
+              <a:t>Green day</a:t>
+            </a:r>
+          </a:p>
+          <a:p>
+            <a:pPr algn="ctr"/>
+            <a:endParaRPr lang="en-US" dirty="0">
+              <a:solidFill>
+                <a:srgbClr val="FFFFFF"/>
+              </a:solidFill>
+            </a:endParaRPr>
+          </a:p>
+        </p:txBody>
+      </p:sp>
+      <p:sp>
+        <p:nvSpPr>
+          <p:cNvPr id="2" name="TextBox 1">
+            <a:extLst>
+              <a:ext uri="{FF2B5EF4-FFF2-40B4-BE49-F238E27FC236}">
+                <a16:creationId xmlns:a16="http://schemas.microsoft.com/office/drawing/2014/main" id="{8E6DE99F-7F7A-4F9B-AE73-5532CB948033}"/>
               </a:ext>
             </a:extLst>
           </p:cNvPr>
@@ -7181,8 +7987,8 @@
         </p:nvSpPr>
         <p:spPr>
           <a:xfrm>
-            <a:off x="7230357" y="762932"/>
-            <a:ext cx="4879265" cy="3416320"/>
+            <a:off x="575625" y="689788"/>
+            <a:ext cx="11040715" cy="5478423"/>
           </a:xfrm>
           <a:prstGeom prst="rect">
             <a:avLst/>
@@ -7190,102 +7996,185 @@
           <a:noFill/>
         </p:spPr>
         <p:txBody>
-          <a:bodyPr wrap="square" rtlCol="0">
+          <a:bodyPr wrap="none" rtlCol="0">
             <a:spAutoFit/>
           </a:bodyPr>
           <a:lstStyle/>
           <a:p>
             <a:r>
-              <a:rPr lang="en-US" dirty="0"/>
-              <a:t>Data demonstrates that:</a:t>
-            </a:r>
-          </a:p>
-          <a:p>
-            <a:endParaRPr lang="en-US" dirty="0"/>
-          </a:p>
-          <a:p>
-            <a:pPr marL="742950" lvl="1" indent="-285750">
+              <a:rPr lang="en-US" sz="3200" dirty="0">
+                <a:latin typeface="Arial Black" panose="020B0A04020102020204" pitchFamily="34" charset="0"/>
+              </a:rPr>
+              <a:t>Questions</a:t>
+            </a:r>
+          </a:p>
+          <a:p>
+            <a:endParaRPr lang="en-US" sz="2400" dirty="0">
+              <a:latin typeface="Arial Black" panose="020B0A04020102020204" pitchFamily="34" charset="0"/>
+            </a:endParaRPr>
+          </a:p>
+          <a:p>
+            <a:pPr marL="342900" indent="-342900">
               <a:buFont typeface="Arial" panose="020B0604020202020204" pitchFamily="34" charset="0"/>
               <a:buChar char="•"/>
             </a:pPr>
             <a:r>
-              <a:rPr lang="en-US" dirty="0"/>
-              <a:t>Coldplay</a:t>
-            </a:r>
-          </a:p>
-          <a:p>
-            <a:pPr marL="742950" lvl="1" indent="-285750">
+              <a:rPr lang="en-US" sz="2800" dirty="0">
+                <a:effectLst/>
+                <a:latin typeface="Gill Sans MT" panose="020B0502020104020203" pitchFamily="34" charset="0"/>
+                <a:ea typeface="Calibri" panose="020F0502020204030204" pitchFamily="34" charset="0"/>
+                <a:cs typeface="Times New Roman" panose="02020603050405020304" pitchFamily="18" charset="0"/>
+              </a:rPr>
+              <a:t>Which artist are most popular based on their country play count?</a:t>
+            </a:r>
+          </a:p>
+          <a:p>
+            <a:pPr marL="342900" indent="-342900">
               <a:buFont typeface="Arial" panose="020B0604020202020204" pitchFamily="34" charset="0"/>
               <a:buChar char="•"/>
             </a:pPr>
             <a:r>
-              <a:rPr lang="en-US" dirty="0"/>
-              <a:t>The Weekend</a:t>
-            </a:r>
-          </a:p>
-          <a:p>
-            <a:pPr marL="742950" lvl="1" indent="-285750">
+              <a:rPr lang="en-US" sz="2800" dirty="0">
+                <a:effectLst/>
+                <a:latin typeface="Gill Sans MT" panose="020B0502020104020203" pitchFamily="34" charset="0"/>
+                <a:ea typeface="Calibri" panose="020F0502020204030204" pitchFamily="34" charset="0"/>
+                <a:cs typeface="Times New Roman" panose="02020603050405020304" pitchFamily="18" charset="0"/>
+              </a:rPr>
+              <a:t>Which countries’ users engage the most with the app? </a:t>
+            </a:r>
+          </a:p>
+          <a:p>
+            <a:pPr marL="342900" indent="-342900">
               <a:buFont typeface="Arial" panose="020B0604020202020204" pitchFamily="34" charset="0"/>
               <a:buChar char="•"/>
             </a:pPr>
             <a:r>
-              <a:rPr lang="en-US" dirty="0"/>
-              <a:t>The Beatles</a:t>
-            </a:r>
-          </a:p>
-          <a:p>
-            <a:pPr marL="742950" lvl="1" indent="-285750">
+              <a:rPr lang="en-US" sz="2800" dirty="0">
+                <a:latin typeface="Gill Sans MT" panose="020B0502020104020203" pitchFamily="34" charset="0"/>
+                <a:ea typeface="Calibri" panose="020F0502020204030204" pitchFamily="34" charset="0"/>
+                <a:cs typeface="Times New Roman" panose="02020603050405020304" pitchFamily="18" charset="0"/>
+              </a:rPr>
+              <a:t>Who are the top artists in the country with the highest listener count?</a:t>
+            </a:r>
+          </a:p>
+          <a:p>
+            <a:pPr marL="342900" indent="-342900">
               <a:buFont typeface="Arial" panose="020B0604020202020204" pitchFamily="34" charset="0"/>
               <a:buChar char="•"/>
             </a:pPr>
             <a:r>
-              <a:rPr lang="en-US" dirty="0"/>
-              <a:t>Ed Sheeran</a:t>
-            </a:r>
-          </a:p>
-          <a:p>
-            <a:pPr marL="742950" lvl="1" indent="-285750">
+              <a:rPr lang="en-US" sz="2800" dirty="0">
+                <a:effectLst/>
+                <a:latin typeface="Gill Sans MT" panose="020B0502020104020203" pitchFamily="34" charset="0"/>
+                <a:ea typeface="Calibri" panose="020F0502020204030204" pitchFamily="34" charset="0"/>
+                <a:cs typeface="Times New Roman" panose="02020603050405020304" pitchFamily="18" charset="0"/>
+              </a:rPr>
+              <a:t>What is the average replayability globally? (With over 1 Million listeners)</a:t>
+            </a:r>
+          </a:p>
+          <a:p>
+            <a:pPr marL="342900" indent="-342900">
               <a:buFont typeface="Arial" panose="020B0604020202020204" pitchFamily="34" charset="0"/>
               <a:buChar char="•"/>
             </a:pPr>
             <a:r>
-              <a:rPr lang="en-US" dirty="0"/>
-              <a:t>Sia</a:t>
-            </a:r>
-          </a:p>
-          <a:p>
-            <a:pPr marL="742950" lvl="1" indent="-285750">
+              <a:rPr lang="en-US" sz="2800" dirty="0">
+                <a:latin typeface="Gill Sans MT" panose="020B0502020104020203" pitchFamily="34" charset="0"/>
+                <a:ea typeface="Calibri" panose="020F0502020204030204" pitchFamily="34" charset="0"/>
+                <a:cs typeface="Times New Roman" panose="02020603050405020304" pitchFamily="18" charset="0"/>
+              </a:rPr>
+              <a:t>Who are the top 5 artists globally?</a:t>
+            </a:r>
+            <a:endParaRPr lang="en-US" sz="2800" dirty="0">
+              <a:effectLst/>
+              <a:latin typeface="Gill Sans MT" panose="020B0502020104020203" pitchFamily="34" charset="0"/>
+              <a:ea typeface="Calibri" panose="020F0502020204030204" pitchFamily="34" charset="0"/>
+              <a:cs typeface="Times New Roman" panose="02020603050405020304" pitchFamily="18" charset="0"/>
+            </a:endParaRPr>
+          </a:p>
+          <a:p>
+            <a:pPr marL="342900" indent="-342900">
               <a:buFont typeface="Arial" panose="020B0604020202020204" pitchFamily="34" charset="0"/>
               <a:buChar char="•"/>
             </a:pPr>
             <a:r>
-              <a:rPr lang="en-US" dirty="0"/>
-              <a:t>Radiohead</a:t>
-            </a:r>
-          </a:p>
-          <a:p>
-            <a:pPr marL="742950" lvl="1" indent="-285750">
-              <a:buFont typeface="Arial" panose="020B0604020202020204" pitchFamily="34" charset="0"/>
-              <a:buChar char="•"/>
-            </a:pPr>
-            <a:r>
-              <a:rPr lang="en-US" dirty="0"/>
-              <a:t>Adele</a:t>
-            </a:r>
+              <a:rPr lang="en-US" sz="2800" dirty="0">
+                <a:effectLst/>
+                <a:latin typeface="Gill Sans MT" panose="020B0502020104020203" pitchFamily="34" charset="0"/>
+                <a:ea typeface="Calibri" panose="020F0502020204030204" pitchFamily="34" charset="0"/>
+                <a:cs typeface="Times New Roman" panose="02020603050405020304" pitchFamily="18" charset="0"/>
+              </a:rPr>
+              <a:t>What is the </a:t>
+            </a:r>
+            <a:r>
+              <a:rPr lang="en-US" sz="2800" dirty="0">
+                <a:latin typeface="Gill Sans MT" panose="020B0502020104020203" pitchFamily="34" charset="0"/>
+                <a:cs typeface="Times New Roman" panose="02020603050405020304" pitchFamily="18" charset="0"/>
+              </a:rPr>
+              <a:t>GDP and play count of </a:t>
+            </a:r>
+            <a:r>
+              <a:rPr lang="en-US" sz="2800" dirty="0">
+                <a:effectLst/>
+                <a:latin typeface="Gill Sans MT" panose="020B0502020104020203" pitchFamily="34" charset="0"/>
+                <a:ea typeface="Calibri" panose="020F0502020204030204" pitchFamily="34" charset="0"/>
+                <a:cs typeface="Times New Roman" panose="02020603050405020304" pitchFamily="18" charset="0"/>
+              </a:rPr>
+              <a:t>each country? </a:t>
+            </a:r>
+          </a:p>
+          <a:p>
+            <a:endParaRPr lang="en-US" sz="1800" dirty="0">
+              <a:effectLst/>
+              <a:latin typeface="Calibri" panose="020F0502020204030204" pitchFamily="34" charset="0"/>
+              <a:ea typeface="Calibri" panose="020F0502020204030204" pitchFamily="34" charset="0"/>
+              <a:cs typeface="Times New Roman" panose="02020603050405020304" pitchFamily="18" charset="0"/>
+            </a:endParaRPr>
+          </a:p>
+          <a:p>
+            <a:endParaRPr lang="en-US" b="1" i="1" dirty="0">
+              <a:latin typeface="Arial" panose="020B0604020202020204" pitchFamily="34" charset="0"/>
+              <a:ea typeface="Calibri" panose="020F0502020204030204" pitchFamily="34" charset="0"/>
+              <a:cs typeface="Times New Roman" panose="02020603050405020304" pitchFamily="18" charset="0"/>
+            </a:endParaRPr>
+          </a:p>
+          <a:p>
+            <a:endParaRPr lang="en-US" sz="1800" dirty="0">
+              <a:effectLst/>
+              <a:latin typeface="Calibri" panose="020F0502020204030204" pitchFamily="34" charset="0"/>
+              <a:ea typeface="Calibri" panose="020F0502020204030204" pitchFamily="34" charset="0"/>
+              <a:cs typeface="Times New Roman" panose="02020603050405020304" pitchFamily="18" charset="0"/>
+            </a:endParaRPr>
+          </a:p>
+          <a:p>
+            <a:endParaRPr lang="en-US" sz="1800" dirty="0">
+              <a:effectLst/>
+              <a:latin typeface="Calibri" panose="020F0502020204030204" pitchFamily="34" charset="0"/>
+              <a:ea typeface="Calibri" panose="020F0502020204030204" pitchFamily="34" charset="0"/>
+              <a:cs typeface="Times New Roman" panose="02020603050405020304" pitchFamily="18" charset="0"/>
+            </a:endParaRPr>
+          </a:p>
+          <a:p>
+            <a:r>
+              <a:rPr lang="en-US" sz="1800" b="1" i="1" dirty="0">
+                <a:effectLst/>
+                <a:latin typeface="Arial" panose="020B0604020202020204" pitchFamily="34" charset="0"/>
+                <a:ea typeface="Calibri" panose="020F0502020204030204" pitchFamily="34" charset="0"/>
+                <a:cs typeface="Times New Roman" panose="02020603050405020304" pitchFamily="18" charset="0"/>
+              </a:rPr>
+              <a:t> </a:t>
+            </a:r>
+            <a:endParaRPr lang="en-US" sz="1800" dirty="0">
+              <a:effectLst/>
+              <a:latin typeface="Calibri" panose="020F0502020204030204" pitchFamily="34" charset="0"/>
+              <a:ea typeface="Calibri" panose="020F0502020204030204" pitchFamily="34" charset="0"/>
+              <a:cs typeface="Times New Roman" panose="02020603050405020304" pitchFamily="18" charset="0"/>
+            </a:endParaRPr>
           </a:p>
           <a:p>
             <a:endParaRPr lang="en-US" dirty="0"/>
           </a:p>
           <a:p>
-            <a:r>
-              <a:rPr lang="en-US" dirty="0">
-                <a:solidFill>
-                  <a:srgbClr val="1D1C1D"/>
-                </a:solidFill>
-                <a:latin typeface="Slack-Lato"/>
-              </a:rPr>
-              <a:t>Data shows how often artists are listened to regardless of listener (or user)</a:t>
-            </a:r>
             <a:endParaRPr lang="en-US" dirty="0"/>
           </a:p>
         </p:txBody>
@@ -7293,7 +8182,7 @@
     </p:spTree>
     <p:extLst>
       <p:ext uri="{BB962C8B-B14F-4D97-AF65-F5344CB8AC3E}">
-        <p14:creationId xmlns:p14="http://schemas.microsoft.com/office/powerpoint/2010/main" val="2955266069"/>
+        <p14:creationId xmlns:p14="http://schemas.microsoft.com/office/powerpoint/2010/main" val="2976206943"/>
       </p:ext>
     </p:extLst>
   </p:cSld>
@@ -7481,77 +8370,41 @@
                   <a:srgbClr val="FFFFFF"/>
                 </a:solidFill>
               </a:rPr>
-              <a:t>Music quote here</a:t>
-            </a:r>
-          </a:p>
-        </p:txBody>
-      </p:sp>
-      <p:sp>
-        <p:nvSpPr>
-          <p:cNvPr id="6" name="TextBox 5">
-            <a:extLst>
-              <a:ext uri="{FF2B5EF4-FFF2-40B4-BE49-F238E27FC236}">
-                <a16:creationId xmlns:a16="http://schemas.microsoft.com/office/drawing/2014/main" id="{E3C0F666-CCF9-4DE9-BEF2-4955C4B9A4A9}"/>
-              </a:ext>
-            </a:extLst>
-          </p:cNvPr>
-          <p:cNvSpPr txBox="1"/>
-          <p:nvPr/>
-        </p:nvSpPr>
-        <p:spPr>
-          <a:xfrm>
-            <a:off x="3105623" y="257613"/>
-            <a:ext cx="6229013" cy="819583"/>
-          </a:xfrm>
-          <a:prstGeom prst="rect">
-            <a:avLst/>
-          </a:prstGeom>
-          <a:noFill/>
-        </p:spPr>
-        <p:txBody>
-          <a:bodyPr wrap="none" rtlCol="0">
-            <a:spAutoFit/>
-          </a:bodyPr>
-          <a:lstStyle/>
-          <a:p>
-            <a:pPr marR="0" lvl="0">
-              <a:lnSpc>
-                <a:spcPct val="107000"/>
-              </a:lnSpc>
-              <a:spcBef>
-                <a:spcPts val="0"/>
-              </a:spcBef>
-              <a:spcAft>
-                <a:spcPts val="0"/>
-              </a:spcAft>
-            </a:pPr>
-            <a:r>
-              <a:rPr lang="en-US" sz="1800" b="1" i="1" dirty="0">
-                <a:effectLst/>
-                <a:latin typeface="Arial" panose="020B0604020202020204" pitchFamily="34" charset="0"/>
-                <a:ea typeface="Calibri" panose="020F0502020204030204" pitchFamily="34" charset="0"/>
-                <a:cs typeface="Times New Roman" panose="02020603050405020304" pitchFamily="18" charset="0"/>
-              </a:rPr>
-              <a:t>Which countries’ users engage the most with the app? </a:t>
-            </a:r>
-            <a:endParaRPr lang="en-US" sz="1800" dirty="0">
-              <a:effectLst/>
-              <a:latin typeface="Calibri" panose="020F0502020204030204" pitchFamily="34" charset="0"/>
-              <a:ea typeface="Calibri" panose="020F0502020204030204" pitchFamily="34" charset="0"/>
-              <a:cs typeface="Times New Roman" panose="02020603050405020304" pitchFamily="18" charset="0"/>
+              <a:t>“I will try to fix you”</a:t>
+            </a:r>
+          </a:p>
+          <a:p>
+            <a:pPr algn="ctr"/>
+            <a:r>
+              <a:rPr lang="en-US" dirty="0">
+                <a:solidFill>
+                  <a:srgbClr val="FFFFFF"/>
+                </a:solidFill>
+              </a:rPr>
+              <a:t>-</a:t>
+            </a:r>
+            <a:r>
+              <a:rPr lang="en-US" dirty="0" err="1">
+                <a:solidFill>
+                  <a:srgbClr val="FFFFFF"/>
+                </a:solidFill>
+              </a:rPr>
+              <a:t>coldplay</a:t>
+            </a:r>
+            <a:endParaRPr lang="en-US" dirty="0">
+              <a:solidFill>
+                <a:srgbClr val="FFFFFF"/>
+              </a:solidFill>
             </a:endParaRPr>
-          </a:p>
-          <a:p>
-            <a:endParaRPr lang="en-US" sz="2800" dirty="0"/>
           </a:p>
         </p:txBody>
       </p:sp>
       <p:pic>
         <p:nvPicPr>
-          <p:cNvPr id="5" name="Picture 4" descr="Chart, line chart&#10;&#10;Description automatically generated">
-            <a:extLst>
-              <a:ext uri="{FF2B5EF4-FFF2-40B4-BE49-F238E27FC236}">
-                <a16:creationId xmlns:a16="http://schemas.microsoft.com/office/drawing/2014/main" id="{386EC901-15FF-4FFD-90F4-74206916AE43}"/>
+          <p:cNvPr id="4" name="Picture 3" descr="A picture containing chart&#10;&#10;Description automatically generated">
+            <a:extLst>
+              <a:ext uri="{FF2B5EF4-FFF2-40B4-BE49-F238E27FC236}">
+                <a16:creationId xmlns:a16="http://schemas.microsoft.com/office/drawing/2014/main" id="{B5B716E1-897D-44BC-AB6C-06ED3B97EDE0}"/>
               </a:ext>
             </a:extLst>
           </p:cNvPr>
@@ -7574,8 +8427,8 @@
         </p:blipFill>
         <p:spPr>
           <a:xfrm>
-            <a:off x="115247" y="757881"/>
-            <a:ext cx="5980753" cy="3986647"/>
+            <a:off x="82378" y="323165"/>
+            <a:ext cx="6649847" cy="4629835"/>
           </a:xfrm>
           <a:prstGeom prst="rect">
             <a:avLst/>
@@ -7584,10 +8437,10 @@
       </p:pic>
       <p:sp>
         <p:nvSpPr>
-          <p:cNvPr id="8" name="TextBox 7">
-            <a:extLst>
-              <a:ext uri="{FF2B5EF4-FFF2-40B4-BE49-F238E27FC236}">
-                <a16:creationId xmlns:a16="http://schemas.microsoft.com/office/drawing/2014/main" id="{D03EDE59-7287-4A77-B16E-450052FF25FE}"/>
+          <p:cNvPr id="7" name="TextBox 6">
+            <a:extLst>
+              <a:ext uri="{FF2B5EF4-FFF2-40B4-BE49-F238E27FC236}">
+                <a16:creationId xmlns:a16="http://schemas.microsoft.com/office/drawing/2014/main" id="{3630955F-6F17-41E2-B5DB-E022B1AB2AF5}"/>
               </a:ext>
             </a:extLst>
           </p:cNvPr>
@@ -7596,8 +8449,8 @@
         </p:nvSpPr>
         <p:spPr>
           <a:xfrm>
-            <a:off x="6815673" y="956923"/>
-            <a:ext cx="4915274" cy="3139321"/>
+            <a:off x="7230357" y="762932"/>
+            <a:ext cx="4879265" cy="3416320"/>
           </a:xfrm>
           <a:prstGeom prst="rect">
             <a:avLst/>
@@ -7612,17 +8465,11 @@
           <a:p>
             <a:r>
               <a:rPr lang="en-US" dirty="0"/>
-              <a:t>Hungary has the most users engaged as a sum of listener count with the app, followed closely with Maldives.</a:t>
+              <a:t>Data demonstrates that:</a:t>
             </a:r>
           </a:p>
           <a:p>
             <a:endParaRPr lang="en-US" dirty="0"/>
-          </a:p>
-          <a:p>
-            <a:r>
-              <a:rPr lang="en-US" dirty="0"/>
-              <a:t>Followed by</a:t>
-            </a:r>
           </a:p>
           <a:p>
             <a:pPr marL="742950" lvl="1" indent="-285750">
@@ -7631,7 +8478,7 @@
             </a:pPr>
             <a:r>
               <a:rPr lang="en-US" dirty="0"/>
-              <a:t>Guatemala</a:t>
+              <a:t>Coldplay</a:t>
             </a:r>
           </a:p>
           <a:p>
@@ -7641,7 +8488,7 @@
             </a:pPr>
             <a:r>
               <a:rPr lang="en-US" dirty="0"/>
-              <a:t>Israel</a:t>
+              <a:t>The Weekend</a:t>
             </a:r>
           </a:p>
           <a:p>
@@ -7651,7 +8498,7 @@
             </a:pPr>
             <a:r>
               <a:rPr lang="en-US" dirty="0"/>
-              <a:t>El Salvador</a:t>
+              <a:t>The Beatles</a:t>
             </a:r>
           </a:p>
           <a:p>
@@ -7661,7 +8508,7 @@
             </a:pPr>
             <a:r>
               <a:rPr lang="en-US" dirty="0"/>
-              <a:t>Ecuador</a:t>
+              <a:t>Ed Sheeran</a:t>
             </a:r>
           </a:p>
           <a:p>
@@ -7671,7 +8518,82 @@
             </a:pPr>
             <a:r>
               <a:rPr lang="en-US" dirty="0"/>
-              <a:t>United Kingdom</a:t>
+              <a:t>Sia</a:t>
+            </a:r>
+          </a:p>
+          <a:p>
+            <a:pPr marL="742950" lvl="1" indent="-285750">
+              <a:buFont typeface="Arial" panose="020B0604020202020204" pitchFamily="34" charset="0"/>
+              <a:buChar char="•"/>
+            </a:pPr>
+            <a:r>
+              <a:rPr lang="en-US" dirty="0"/>
+              <a:t>Radiohead</a:t>
+            </a:r>
+          </a:p>
+          <a:p>
+            <a:pPr marL="742950" lvl="1" indent="-285750">
+              <a:buFont typeface="Arial" panose="020B0604020202020204" pitchFamily="34" charset="0"/>
+              <a:buChar char="•"/>
+            </a:pPr>
+            <a:r>
+              <a:rPr lang="en-US" dirty="0"/>
+              <a:t>Adele</a:t>
+            </a:r>
+          </a:p>
+          <a:p>
+            <a:endParaRPr lang="en-US" dirty="0"/>
+          </a:p>
+          <a:p>
+            <a:r>
+              <a:rPr lang="en-US" dirty="0">
+                <a:solidFill>
+                  <a:srgbClr val="1D1C1D"/>
+                </a:solidFill>
+                <a:latin typeface="Slack-Lato"/>
+              </a:rPr>
+              <a:t>Data shows how often artists are listened to regardless of listener (or user)</a:t>
+            </a:r>
+            <a:endParaRPr lang="en-US" dirty="0"/>
+          </a:p>
+        </p:txBody>
+      </p:sp>
+      <p:sp>
+        <p:nvSpPr>
+          <p:cNvPr id="2" name="TextBox 1">
+            <a:extLst>
+              <a:ext uri="{FF2B5EF4-FFF2-40B4-BE49-F238E27FC236}">
+                <a16:creationId xmlns:a16="http://schemas.microsoft.com/office/drawing/2014/main" id="{768BBB83-A031-44F9-AC4E-4DDF11D16046}"/>
+              </a:ext>
+            </a:extLst>
+          </p:cNvPr>
+          <p:cNvSpPr txBox="1"/>
+          <p:nvPr/>
+        </p:nvSpPr>
+        <p:spPr>
+          <a:xfrm>
+            <a:off x="2851020" y="0"/>
+            <a:ext cx="7353295" cy="646331"/>
+          </a:xfrm>
+          <a:prstGeom prst="rect">
+            <a:avLst/>
+          </a:prstGeom>
+          <a:noFill/>
+        </p:spPr>
+        <p:txBody>
+          <a:bodyPr wrap="none" rtlCol="0">
+            <a:spAutoFit/>
+          </a:bodyPr>
+          <a:lstStyle/>
+          <a:p>
+            <a:r>
+              <a:rPr lang="en-US" sz="1800" b="1" dirty="0">
+                <a:effectLst/>
+                <a:latin typeface="Arial" panose="020B0604020202020204" pitchFamily="34" charset="0"/>
+                <a:ea typeface="Calibri" panose="020F0502020204030204" pitchFamily="34" charset="0"/>
+                <a:cs typeface="Arial" panose="020B0604020202020204" pitchFamily="34" charset="0"/>
+              </a:rPr>
+              <a:t>Which artist are most popular based on their country play count?</a:t>
             </a:r>
           </a:p>
           <a:p>
@@ -7682,7 +8604,7 @@
     </p:spTree>
     <p:extLst>
       <p:ext uri="{BB962C8B-B14F-4D97-AF65-F5344CB8AC3E}">
-        <p14:creationId xmlns:p14="http://schemas.microsoft.com/office/powerpoint/2010/main" val="3955977735"/>
+        <p14:creationId xmlns:p14="http://schemas.microsoft.com/office/powerpoint/2010/main" val="2955266069"/>
       </p:ext>
     </p:extLst>
   </p:cSld>
@@ -7853,8 +8775,8 @@
         </p:nvSpPr>
         <p:spPr>
           <a:xfrm>
-            <a:off x="1013787" y="4979109"/>
-            <a:ext cx="10058400" cy="1878891"/>
+            <a:off x="1013787" y="5244796"/>
+            <a:ext cx="10058400" cy="1613204"/>
           </a:xfrm>
         </p:spPr>
         <p:txBody>
@@ -7863,14 +8785,24 @@
           </a:bodyPr>
           <a:lstStyle/>
           <a:p>
-            <a:pPr algn="ctr"/>
             <a:r>
               <a:rPr lang="en-US" dirty="0">
                 <a:solidFill>
                   <a:srgbClr val="FFFFFF"/>
                 </a:solidFill>
               </a:rPr>
-              <a:t>Music quote here</a:t>
+              <a:t>“music produces a kind of pleasure which human nature cannot do without”</a:t>
+            </a:r>
+          </a:p>
+          <a:p>
+            <a:pPr algn="ctr"/>
+            <a:r>
+              <a:rPr lang="en-US" dirty="0">
+                <a:solidFill>
+                  <a:srgbClr val="FFFFFF"/>
+                </a:solidFill>
+              </a:rPr>
+              <a:t>-Confucius</a:t>
             </a:r>
           </a:p>
         </p:txBody>
@@ -7889,8 +8821,8 @@
         </p:nvSpPr>
         <p:spPr>
           <a:xfrm>
-            <a:off x="268396" y="384980"/>
-            <a:ext cx="11816055" cy="663580"/>
+            <a:off x="3105623" y="257613"/>
+            <a:ext cx="6229013" cy="819583"/>
           </a:xfrm>
           <a:prstGeom prst="rect">
             <a:avLst/>
@@ -7915,117 +8847,32 @@
               </a:spcAft>
             </a:pPr>
             <a:r>
-              <a:rPr lang="en-US" sz="1800" b="1" i="1" dirty="0">
+              <a:rPr lang="en-US" sz="1800" b="1" dirty="0">
                 <a:effectLst/>
                 <a:latin typeface="Arial" panose="020B0604020202020204" pitchFamily="34" charset="0"/>
                 <a:ea typeface="Calibri" panose="020F0502020204030204" pitchFamily="34" charset="0"/>
-              </a:rPr>
-              <a:t>Who are the top artists by listener count in the country with the highest overall listener count (Hungary)?  </a:t>
-            </a:r>
-          </a:p>
-          <a:p>
-            <a:pPr marR="0" lvl="0">
-              <a:lnSpc>
-                <a:spcPct val="107000"/>
-              </a:lnSpc>
-              <a:spcBef>
-                <a:spcPts val="0"/>
-              </a:spcBef>
-              <a:spcAft>
-                <a:spcPts val="0"/>
-              </a:spcAft>
-            </a:pPr>
-            <a:r>
-              <a:rPr lang="en-US" sz="1800" b="1" i="1" dirty="0">
-                <a:effectLst/>
-                <a:latin typeface="Arial" panose="020B0604020202020204" pitchFamily="34" charset="0"/>
-                <a:ea typeface="Calibri" panose="020F0502020204030204" pitchFamily="34" charset="0"/>
-              </a:rPr>
-              <a:t>Amber</a:t>
-            </a:r>
-          </a:p>
-        </p:txBody>
-      </p:sp>
-      <p:sp>
-        <p:nvSpPr>
-          <p:cNvPr id="2" name="TextBox 1">
-            <a:extLst>
-              <a:ext uri="{FF2B5EF4-FFF2-40B4-BE49-F238E27FC236}">
-                <a16:creationId xmlns:a16="http://schemas.microsoft.com/office/drawing/2014/main" id="{34D29DBE-D89A-4BCC-8302-B309BEE2F1E3}"/>
-              </a:ext>
-            </a:extLst>
-          </p:cNvPr>
-          <p:cNvSpPr txBox="1"/>
-          <p:nvPr/>
-        </p:nvSpPr>
-        <p:spPr>
-          <a:xfrm>
-            <a:off x="6602083" y="1144438"/>
-            <a:ext cx="4900829" cy="3416320"/>
-          </a:xfrm>
-          <a:prstGeom prst="rect">
-            <a:avLst/>
-          </a:prstGeom>
-          <a:noFill/>
-        </p:spPr>
-        <p:txBody>
-          <a:bodyPr wrap="none" rtlCol="0">
-            <a:spAutoFit/>
-          </a:bodyPr>
-          <a:lstStyle/>
-          <a:p>
-            <a:r>
-              <a:rPr lang="en-US" dirty="0"/>
-              <a:t>The top artists listened to in Hungary, which has </a:t>
-            </a:r>
-          </a:p>
-          <a:p>
-            <a:r>
-              <a:rPr lang="en-US" dirty="0"/>
-              <a:t>the highest listener (or user) count, are: </a:t>
-            </a:r>
-          </a:p>
-          <a:p>
-            <a:endParaRPr lang="en-US" dirty="0"/>
-          </a:p>
-          <a:p>
-            <a:endParaRPr lang="en-US" dirty="0"/>
-          </a:p>
-          <a:p>
-            <a:endParaRPr lang="en-US" dirty="0"/>
-          </a:p>
-          <a:p>
-            <a:endParaRPr lang="en-US" dirty="0"/>
-          </a:p>
-          <a:p>
-            <a:endParaRPr lang="en-US" dirty="0"/>
-          </a:p>
-          <a:p>
-            <a:r>
-              <a:rPr lang="en-US" dirty="0"/>
-              <a:t>This sets a standard for other countries.</a:t>
-            </a:r>
-          </a:p>
-          <a:p>
-            <a:endParaRPr lang="en-US" dirty="0"/>
-          </a:p>
-          <a:p>
-            <a:endParaRPr lang="en-US" dirty="0"/>
-          </a:p>
-          <a:p>
-            <a:endParaRPr lang="en-US" dirty="0"/>
-          </a:p>
-          <a:p>
-            <a:endParaRPr lang="en-US" dirty="0"/>
+                <a:cs typeface="Times New Roman" panose="02020603050405020304" pitchFamily="18" charset="0"/>
+              </a:rPr>
+              <a:t>Which countries’ users engage the most with the app? </a:t>
+            </a:r>
+            <a:endParaRPr lang="en-US" sz="1800" dirty="0">
+              <a:effectLst/>
+              <a:latin typeface="Calibri" panose="020F0502020204030204" pitchFamily="34" charset="0"/>
+              <a:ea typeface="Calibri" panose="020F0502020204030204" pitchFamily="34" charset="0"/>
+              <a:cs typeface="Times New Roman" panose="02020603050405020304" pitchFamily="18" charset="0"/>
+            </a:endParaRPr>
+          </a:p>
+          <a:p>
+            <a:endParaRPr lang="en-US" sz="2800" dirty="0"/>
           </a:p>
         </p:txBody>
       </p:sp>
       <p:pic>
         <p:nvPicPr>
-          <p:cNvPr id="5" name="Picture 4" descr="Shape&#10;&#10;Description automatically generated with medium confidence">
-            <a:extLst>
-              <a:ext uri="{FF2B5EF4-FFF2-40B4-BE49-F238E27FC236}">
-                <a16:creationId xmlns:a16="http://schemas.microsoft.com/office/drawing/2014/main" id="{6230EACD-72E4-44B1-B8D3-66948A7BC70C}"/>
+          <p:cNvPr id="5" name="Picture 4" descr="Chart, line chart&#10;&#10;Description automatically generated">
+            <a:extLst>
+              <a:ext uri="{FF2B5EF4-FFF2-40B4-BE49-F238E27FC236}">
+                <a16:creationId xmlns:a16="http://schemas.microsoft.com/office/drawing/2014/main" id="{386EC901-15FF-4FFD-90F4-74206916AE43}"/>
               </a:ext>
             </a:extLst>
           </p:cNvPr>
@@ -8048,126 +8895,115 @@
         </p:blipFill>
         <p:spPr>
           <a:xfrm>
-            <a:off x="0" y="381000"/>
-            <a:ext cx="12192000" cy="6096000"/>
+            <a:off x="115247" y="757881"/>
+            <a:ext cx="5980753" cy="3986647"/>
           </a:xfrm>
           <a:prstGeom prst="rect">
             <a:avLst/>
           </a:prstGeom>
         </p:spPr>
       </p:pic>
-      <p:pic>
-        <p:nvPicPr>
-          <p:cNvPr id="8" name="Picture 7" descr="Shape&#10;&#10;Description automatically generated with medium confidence">
-            <a:extLst>
-              <a:ext uri="{FF2B5EF4-FFF2-40B4-BE49-F238E27FC236}">
-                <a16:creationId xmlns:a16="http://schemas.microsoft.com/office/drawing/2014/main" id="{852FDE3D-C5EB-4EC6-9AFB-797E424AA1ED}"/>
-              </a:ext>
-            </a:extLst>
-          </p:cNvPr>
-          <p:cNvPicPr>
-            <a:picLocks noChangeAspect="1"/>
-          </p:cNvPicPr>
+      <p:sp>
+        <p:nvSpPr>
+          <p:cNvPr id="8" name="TextBox 7">
+            <a:extLst>
+              <a:ext uri="{FF2B5EF4-FFF2-40B4-BE49-F238E27FC236}">
+                <a16:creationId xmlns:a16="http://schemas.microsoft.com/office/drawing/2014/main" id="{D03EDE59-7287-4A77-B16E-450052FF25FE}"/>
+              </a:ext>
+            </a:extLst>
+          </p:cNvPr>
+          <p:cNvSpPr txBox="1"/>
           <p:nvPr/>
-        </p:nvPicPr>
-        <p:blipFill>
-          <a:blip r:embed="rId2">
-            <a:extLst>
-              <a:ext uri="{28A0092B-C50C-407E-A947-70E740481C1C}">
-                <a14:useLocalDpi xmlns:a14="http://schemas.microsoft.com/office/drawing/2010/main" val="0"/>
-              </a:ext>
-            </a:extLst>
-          </a:blip>
-          <a:stretch>
-            <a:fillRect/>
-          </a:stretch>
-        </p:blipFill>
-        <p:spPr>
-          <a:xfrm>
-            <a:off x="0" y="381000"/>
-            <a:ext cx="12192000" cy="6096000"/>
+        </p:nvSpPr>
+        <p:spPr>
+          <a:xfrm>
+            <a:off x="6815673" y="956923"/>
+            <a:ext cx="4915274" cy="3139321"/>
           </a:xfrm>
           <a:prstGeom prst="rect">
             <a:avLst/>
           </a:prstGeom>
-        </p:spPr>
-      </p:pic>
-      <p:pic>
-        <p:nvPicPr>
-          <p:cNvPr id="7" name="Picture 6" descr="Shape&#10;&#10;Description automatically generated with medium confidence">
-            <a:extLst>
-              <a:ext uri="{FF2B5EF4-FFF2-40B4-BE49-F238E27FC236}">
-                <a16:creationId xmlns:a16="http://schemas.microsoft.com/office/drawing/2014/main" id="{89441D1A-98A0-4AC2-815A-A6AE3B4B449D}"/>
-              </a:ext>
-            </a:extLst>
-          </p:cNvPr>
-          <p:cNvPicPr>
-            <a:picLocks noChangeAspect="1"/>
-          </p:cNvPicPr>
-          <p:nvPr/>
-        </p:nvPicPr>
-        <p:blipFill>
-          <a:blip r:embed="rId2">
-            <a:extLst>
-              <a:ext uri="{28A0092B-C50C-407E-A947-70E740481C1C}">
-                <a14:useLocalDpi xmlns:a14="http://schemas.microsoft.com/office/drawing/2010/main" val="0"/>
-              </a:ext>
-            </a:extLst>
-          </a:blip>
-          <a:stretch>
-            <a:fillRect/>
-          </a:stretch>
-        </p:blipFill>
-        <p:spPr>
-          <a:xfrm>
-            <a:off x="80423" y="142103"/>
-            <a:ext cx="12192000" cy="6096000"/>
-          </a:xfrm>
-          <a:prstGeom prst="rect">
-            <a:avLst/>
-          </a:prstGeom>
-        </p:spPr>
-      </p:pic>
-      <p:pic>
-        <p:nvPicPr>
-          <p:cNvPr id="10" name="Picture 9" descr="Background pattern&#10;&#10;Description automatically generated with low confidence">
-            <a:extLst>
-              <a:ext uri="{FF2B5EF4-FFF2-40B4-BE49-F238E27FC236}">
-                <a16:creationId xmlns:a16="http://schemas.microsoft.com/office/drawing/2014/main" id="{B4C60078-4157-4A65-9397-B8D17D5202A3}"/>
-              </a:ext>
-            </a:extLst>
-          </p:cNvPr>
-          <p:cNvPicPr>
-            <a:picLocks noChangeAspect="1"/>
-          </p:cNvPicPr>
-          <p:nvPr/>
-        </p:nvPicPr>
-        <p:blipFill>
-          <a:blip r:embed="rId3">
-            <a:extLst>
-              <a:ext uri="{28A0092B-C50C-407E-A947-70E740481C1C}">
-                <a14:useLocalDpi xmlns:a14="http://schemas.microsoft.com/office/drawing/2010/main" val="0"/>
-              </a:ext>
-            </a:extLst>
-          </a:blip>
-          <a:stretch>
-            <a:fillRect/>
-          </a:stretch>
-        </p:blipFill>
-        <p:spPr>
-          <a:xfrm>
-            <a:off x="80423" y="945310"/>
-            <a:ext cx="6302112" cy="3719753"/>
-          </a:xfrm>
-          <a:prstGeom prst="rect">
-            <a:avLst/>
-          </a:prstGeom>
-        </p:spPr>
-      </p:pic>
+          <a:noFill/>
+        </p:spPr>
+        <p:txBody>
+          <a:bodyPr wrap="square" rtlCol="0">
+            <a:spAutoFit/>
+          </a:bodyPr>
+          <a:lstStyle/>
+          <a:p>
+            <a:r>
+              <a:rPr lang="en-US" dirty="0"/>
+              <a:t>Hungary has the most users engaged as a sum of listener count with the app, followed closely with Maldives.</a:t>
+            </a:r>
+          </a:p>
+          <a:p>
+            <a:endParaRPr lang="en-US" dirty="0"/>
+          </a:p>
+          <a:p>
+            <a:r>
+              <a:rPr lang="en-US" dirty="0"/>
+              <a:t>Followed by</a:t>
+            </a:r>
+          </a:p>
+          <a:p>
+            <a:pPr marL="742950" lvl="1" indent="-285750">
+              <a:buFont typeface="Arial" panose="020B0604020202020204" pitchFamily="34" charset="0"/>
+              <a:buChar char="•"/>
+            </a:pPr>
+            <a:r>
+              <a:rPr lang="en-US" dirty="0"/>
+              <a:t>Guatemala</a:t>
+            </a:r>
+          </a:p>
+          <a:p>
+            <a:pPr marL="742950" lvl="1" indent="-285750">
+              <a:buFont typeface="Arial" panose="020B0604020202020204" pitchFamily="34" charset="0"/>
+              <a:buChar char="•"/>
+            </a:pPr>
+            <a:r>
+              <a:rPr lang="en-US" dirty="0"/>
+              <a:t>Israel</a:t>
+            </a:r>
+          </a:p>
+          <a:p>
+            <a:pPr marL="742950" lvl="1" indent="-285750">
+              <a:buFont typeface="Arial" panose="020B0604020202020204" pitchFamily="34" charset="0"/>
+              <a:buChar char="•"/>
+            </a:pPr>
+            <a:r>
+              <a:rPr lang="en-US" dirty="0"/>
+              <a:t>El Salvador</a:t>
+            </a:r>
+          </a:p>
+          <a:p>
+            <a:pPr marL="742950" lvl="1" indent="-285750">
+              <a:buFont typeface="Arial" panose="020B0604020202020204" pitchFamily="34" charset="0"/>
+              <a:buChar char="•"/>
+            </a:pPr>
+            <a:r>
+              <a:rPr lang="en-US" dirty="0"/>
+              <a:t>Ecuador</a:t>
+            </a:r>
+          </a:p>
+          <a:p>
+            <a:pPr marL="742950" lvl="1" indent="-285750">
+              <a:buFont typeface="Arial" panose="020B0604020202020204" pitchFamily="34" charset="0"/>
+              <a:buChar char="•"/>
+            </a:pPr>
+            <a:r>
+              <a:rPr lang="en-US" dirty="0"/>
+              <a:t>United Kingdom</a:t>
+            </a:r>
+          </a:p>
+          <a:p>
+            <a:endParaRPr lang="en-US" dirty="0"/>
+          </a:p>
+        </p:txBody>
+      </p:sp>
     </p:spTree>
     <p:extLst>
       <p:ext uri="{BB962C8B-B14F-4D97-AF65-F5344CB8AC3E}">
-        <p14:creationId xmlns:p14="http://schemas.microsoft.com/office/powerpoint/2010/main" val="3058154697"/>
+        <p14:creationId xmlns:p14="http://schemas.microsoft.com/office/powerpoint/2010/main" val="3955977735"/>
       </p:ext>
     </p:extLst>
   </p:cSld>
@@ -8338,8 +9174,8 @@
         </p:nvSpPr>
         <p:spPr>
           <a:xfrm>
-            <a:off x="1013787" y="4979109"/>
-            <a:ext cx="10058400" cy="1878891"/>
+            <a:off x="1013787" y="5298831"/>
+            <a:ext cx="10058400" cy="1559169"/>
           </a:xfrm>
         </p:spPr>
         <p:txBody>
@@ -8355,7 +9191,34 @@
                   <a:srgbClr val="FFFFFF"/>
                 </a:solidFill>
               </a:rPr>
-              <a:t>Music quote here</a:t>
+              <a:t>“If music is a place, then jazz is the city, folk is the wilderness, rock is the road, classical is a temple.”</a:t>
+            </a:r>
+          </a:p>
+          <a:p>
+            <a:pPr algn="ctr"/>
+            <a:r>
+              <a:rPr lang="en-US" dirty="0">
+                <a:solidFill>
+                  <a:srgbClr val="FFFFFF"/>
+                </a:solidFill>
+              </a:rPr>
+              <a:t>-vera </a:t>
+            </a:r>
+            <a:r>
+              <a:rPr lang="en-US" dirty="0" err="1">
+                <a:solidFill>
+                  <a:srgbClr val="FFFFFF"/>
+                </a:solidFill>
+              </a:rPr>
+              <a:t>nazarin</a:t>
+            </a:r>
+            <a:r>
+              <a:rPr lang="en-US" dirty="0">
+                <a:solidFill>
+                  <a:srgbClr val="FFFFFF"/>
+                </a:solidFill>
+              </a:rPr>
+              <a:t> </a:t>
             </a:r>
           </a:p>
         </p:txBody>
@@ -8374,8 +9237,8 @@
         </p:nvSpPr>
         <p:spPr>
           <a:xfrm>
-            <a:off x="1762021" y="552929"/>
-            <a:ext cx="8107861" cy="373757"/>
+            <a:off x="268396" y="384980"/>
+            <a:ext cx="11816055" cy="367216"/>
           </a:xfrm>
           <a:prstGeom prst="rect">
             <a:avLst/>
@@ -8400,29 +9263,143 @@
               </a:spcAft>
             </a:pPr>
             <a:r>
-              <a:rPr lang="en-US" sz="1800" b="1" i="1" dirty="0">
+              <a:rPr lang="en-US" sz="1800" b="1" dirty="0">
                 <a:effectLst/>
                 <a:latin typeface="Arial" panose="020B0604020202020204" pitchFamily="34" charset="0"/>
                 <a:ea typeface="Calibri" panose="020F0502020204030204" pitchFamily="34" charset="0"/>
-                <a:cs typeface="Times New Roman" panose="02020603050405020304" pitchFamily="18" charset="0"/>
-              </a:rPr>
-              <a:t>What is the average replayability globally? (With over 1 Million listeners)</a:t>
-            </a:r>
-            <a:endParaRPr lang="en-US" sz="1800" dirty="0">
-              <a:effectLst/>
-              <a:latin typeface="Calibri" panose="020F0502020204030204" pitchFamily="34" charset="0"/>
-              <a:ea typeface="Calibri" panose="020F0502020204030204" pitchFamily="34" charset="0"/>
-              <a:cs typeface="Times New Roman" panose="02020603050405020304" pitchFamily="18" charset="0"/>
-            </a:endParaRPr>
+              </a:rPr>
+              <a:t>Who are the top artists by listener count in the country with the highest overall listener count (Hungary)?  </a:t>
+            </a:r>
+          </a:p>
+        </p:txBody>
+      </p:sp>
+      <p:sp>
+        <p:nvSpPr>
+          <p:cNvPr id="2" name="TextBox 1">
+            <a:extLst>
+              <a:ext uri="{FF2B5EF4-FFF2-40B4-BE49-F238E27FC236}">
+                <a16:creationId xmlns:a16="http://schemas.microsoft.com/office/drawing/2014/main" id="{34D29DBE-D89A-4BCC-8302-B309BEE2F1E3}"/>
+              </a:ext>
+            </a:extLst>
+          </p:cNvPr>
+          <p:cNvSpPr txBox="1"/>
+          <p:nvPr/>
+        </p:nvSpPr>
+        <p:spPr>
+          <a:xfrm>
+            <a:off x="6602083" y="1144438"/>
+            <a:ext cx="4900829" cy="4524315"/>
+          </a:xfrm>
+          <a:prstGeom prst="rect">
+            <a:avLst/>
+          </a:prstGeom>
+          <a:noFill/>
+        </p:spPr>
+        <p:txBody>
+          <a:bodyPr wrap="none" rtlCol="0">
+            <a:spAutoFit/>
+          </a:bodyPr>
+          <a:lstStyle/>
+          <a:p>
+            <a:r>
+              <a:rPr lang="en-US" dirty="0"/>
+              <a:t>The top artists listened to in Hungary, which has </a:t>
+            </a:r>
+          </a:p>
+          <a:p>
+            <a:r>
+              <a:rPr lang="en-US" dirty="0"/>
+              <a:t>the highest listener (or user) count, are: </a:t>
+            </a:r>
+          </a:p>
+          <a:p>
+            <a:endParaRPr lang="en-US" dirty="0"/>
+          </a:p>
+          <a:p>
+            <a:pPr marL="285750" indent="-285750">
+              <a:buFont typeface="Arial" panose="020B0604020202020204" pitchFamily="34" charset="0"/>
+              <a:buChar char="•"/>
+            </a:pPr>
+            <a:r>
+              <a:rPr lang="en-US" dirty="0"/>
+              <a:t>Coldplay</a:t>
+            </a:r>
+          </a:p>
+          <a:p>
+            <a:pPr marL="285750" indent="-285750">
+              <a:buFont typeface="Arial" panose="020B0604020202020204" pitchFamily="34" charset="0"/>
+              <a:buChar char="•"/>
+            </a:pPr>
+            <a:r>
+              <a:rPr lang="en-US" dirty="0"/>
+              <a:t>Radiohead</a:t>
+            </a:r>
+          </a:p>
+          <a:p>
+            <a:pPr marL="285750" indent="-285750">
+              <a:buFont typeface="Arial" panose="020B0604020202020204" pitchFamily="34" charset="0"/>
+              <a:buChar char="•"/>
+            </a:pPr>
+            <a:r>
+              <a:rPr lang="en-US" dirty="0"/>
+              <a:t>Rihanna</a:t>
+            </a:r>
+          </a:p>
+          <a:p>
+            <a:pPr marL="285750" indent="-285750">
+              <a:buFont typeface="Arial" panose="020B0604020202020204" pitchFamily="34" charset="0"/>
+              <a:buChar char="•"/>
+            </a:pPr>
+            <a:r>
+              <a:rPr lang="en-US" dirty="0"/>
+              <a:t>Eminem</a:t>
+            </a:r>
+          </a:p>
+          <a:p>
+            <a:pPr marL="285750" indent="-285750">
+              <a:buFont typeface="Arial" panose="020B0604020202020204" pitchFamily="34" charset="0"/>
+              <a:buChar char="•"/>
+            </a:pPr>
+            <a:r>
+              <a:rPr lang="en-US" dirty="0"/>
+              <a:t>Red Hot Chili Peppers</a:t>
+            </a:r>
+          </a:p>
+          <a:p>
+            <a:endParaRPr lang="en-US" dirty="0"/>
+          </a:p>
+          <a:p>
+            <a:endParaRPr lang="en-US" dirty="0"/>
+          </a:p>
+          <a:p>
+            <a:endParaRPr lang="en-US" dirty="0"/>
+          </a:p>
+          <a:p>
+            <a:r>
+              <a:rPr lang="en-US" dirty="0"/>
+              <a:t>This sets a standard for other countries.</a:t>
+            </a:r>
+          </a:p>
+          <a:p>
+            <a:endParaRPr lang="en-US" dirty="0"/>
+          </a:p>
+          <a:p>
+            <a:endParaRPr lang="en-US" dirty="0"/>
+          </a:p>
+          <a:p>
+            <a:endParaRPr lang="en-US" dirty="0"/>
+          </a:p>
+          <a:p>
+            <a:endParaRPr lang="en-US" dirty="0"/>
           </a:p>
         </p:txBody>
       </p:sp>
       <p:pic>
         <p:nvPicPr>
-          <p:cNvPr id="8" name="Picture 7" descr="Chart, bar chart&#10;&#10;Description automatically generated">
-            <a:extLst>
-              <a:ext uri="{FF2B5EF4-FFF2-40B4-BE49-F238E27FC236}">
-                <a16:creationId xmlns:a16="http://schemas.microsoft.com/office/drawing/2014/main" id="{FC4E77AF-72DA-478B-9F62-1E8040D042A2}"/>
+          <p:cNvPr id="5" name="Picture 4" descr="Shape&#10;&#10;Description automatically generated with medium confidence">
+            <a:extLst>
+              <a:ext uri="{FF2B5EF4-FFF2-40B4-BE49-F238E27FC236}">
+                <a16:creationId xmlns:a16="http://schemas.microsoft.com/office/drawing/2014/main" id="{6230EACD-72E4-44B1-B8D3-66948A7BC70C}"/>
               </a:ext>
             </a:extLst>
           </p:cNvPr>
@@ -8431,7 +9408,7 @@
           </p:cNvPicPr>
           <p:nvPr/>
         </p:nvPicPr>
-        <p:blipFill rotWithShape="1">
+        <p:blipFill>
           <a:blip r:embed="rId2">
             <a:extLst>
               <a:ext uri="{28A0092B-C50C-407E-A947-70E740481C1C}">
@@ -8439,13 +9416,14 @@
               </a:ext>
             </a:extLst>
           </a:blip>
-          <a:srcRect l="3391" b="2896"/>
-          <a:stretch/>
+          <a:stretch>
+            <a:fillRect/>
+          </a:stretch>
         </p:blipFill>
         <p:spPr>
-          <a:xfrm>
-            <a:off x="6251584" y="1190872"/>
-            <a:ext cx="5436231" cy="2871164"/>
+          <a:xfrm flipV="1">
+            <a:off x="0" y="235766"/>
+            <a:ext cx="12192000" cy="145234"/>
           </a:xfrm>
           <a:prstGeom prst="rect">
             <a:avLst/>
@@ -8454,10 +9432,10 @@
       </p:pic>
       <p:pic>
         <p:nvPicPr>
-          <p:cNvPr id="4" name="Picture 3" descr="Chart, bar chart&#10;&#10;Description automatically generated">
-            <a:extLst>
-              <a:ext uri="{FF2B5EF4-FFF2-40B4-BE49-F238E27FC236}">
-                <a16:creationId xmlns:a16="http://schemas.microsoft.com/office/drawing/2014/main" id="{9A9C00CB-E6A5-4FFB-B379-4AAFCE33B1F4}"/>
+          <p:cNvPr id="10" name="Picture 9" descr="Background pattern&#10;&#10;Description automatically generated with low confidence">
+            <a:extLst>
+              <a:ext uri="{FF2B5EF4-FFF2-40B4-BE49-F238E27FC236}">
+                <a16:creationId xmlns:a16="http://schemas.microsoft.com/office/drawing/2014/main" id="{B4C60078-4157-4A65-9397-B8D17D5202A3}"/>
               </a:ext>
             </a:extLst>
           </p:cNvPr>
@@ -8480,8 +9458,8 @@
         </p:blipFill>
         <p:spPr>
           <a:xfrm>
-            <a:off x="504185" y="1185289"/>
-            <a:ext cx="5057218" cy="2876747"/>
+            <a:off x="0" y="865074"/>
+            <a:ext cx="6302112" cy="4087926"/>
           </a:xfrm>
           <a:prstGeom prst="rect">
             <a:avLst/>
@@ -8491,7 +9469,7 @@
     </p:spTree>
     <p:extLst>
       <p:ext uri="{BB962C8B-B14F-4D97-AF65-F5344CB8AC3E}">
-        <p14:creationId xmlns:p14="http://schemas.microsoft.com/office/powerpoint/2010/main" val="3010257697"/>
+        <p14:creationId xmlns:p14="http://schemas.microsoft.com/office/powerpoint/2010/main" val="3058154697"/>
       </p:ext>
     </p:extLst>
   </p:cSld>
